--- a/docs/CM/R3.07_SQL_Lang_Prog-Chapitre0.pptx
+++ b/docs/CM/R3.07_SQL_Lang_Prog-Chapitre0.pptx
@@ -5,44 +5,43 @@
     <p:sldMasterId id="2147483660" r:id="rId1"/>
   </p:sldMasterIdLst>
   <p:notesMasterIdLst>
-    <p:notesMasterId r:id="rId37"/>
+    <p:notesMasterId r:id="rId36"/>
   </p:notesMasterIdLst>
   <p:sldIdLst>
     <p:sldId id="269" r:id="rId2"/>
     <p:sldId id="274" r:id="rId3"/>
-    <p:sldId id="275" r:id="rId4"/>
-    <p:sldId id="320" r:id="rId5"/>
-    <p:sldId id="347" r:id="rId6"/>
-    <p:sldId id="301" r:id="rId7"/>
-    <p:sldId id="356" r:id="rId8"/>
-    <p:sldId id="303" r:id="rId9"/>
-    <p:sldId id="308" r:id="rId10"/>
-    <p:sldId id="306" r:id="rId11"/>
-    <p:sldId id="298" r:id="rId12"/>
-    <p:sldId id="346" r:id="rId13"/>
-    <p:sldId id="297" r:id="rId14"/>
-    <p:sldId id="362" r:id="rId15"/>
-    <p:sldId id="379" r:id="rId16"/>
-    <p:sldId id="380" r:id="rId17"/>
-    <p:sldId id="381" r:id="rId18"/>
-    <p:sldId id="382" r:id="rId19"/>
-    <p:sldId id="383" r:id="rId20"/>
-    <p:sldId id="384" r:id="rId21"/>
-    <p:sldId id="385" r:id="rId22"/>
-    <p:sldId id="386" r:id="rId23"/>
-    <p:sldId id="387" r:id="rId24"/>
-    <p:sldId id="388" r:id="rId25"/>
-    <p:sldId id="389" r:id="rId26"/>
-    <p:sldId id="390" r:id="rId27"/>
-    <p:sldId id="391" r:id="rId28"/>
-    <p:sldId id="392" r:id="rId29"/>
-    <p:sldId id="393" r:id="rId30"/>
-    <p:sldId id="394" r:id="rId31"/>
-    <p:sldId id="395" r:id="rId32"/>
-    <p:sldId id="396" r:id="rId33"/>
-    <p:sldId id="397" r:id="rId34"/>
-    <p:sldId id="398" r:id="rId35"/>
-    <p:sldId id="399" r:id="rId36"/>
+    <p:sldId id="320" r:id="rId4"/>
+    <p:sldId id="347" r:id="rId5"/>
+    <p:sldId id="301" r:id="rId6"/>
+    <p:sldId id="356" r:id="rId7"/>
+    <p:sldId id="303" r:id="rId8"/>
+    <p:sldId id="308" r:id="rId9"/>
+    <p:sldId id="306" r:id="rId10"/>
+    <p:sldId id="298" r:id="rId11"/>
+    <p:sldId id="346" r:id="rId12"/>
+    <p:sldId id="297" r:id="rId13"/>
+    <p:sldId id="362" r:id="rId14"/>
+    <p:sldId id="379" r:id="rId15"/>
+    <p:sldId id="380" r:id="rId16"/>
+    <p:sldId id="381" r:id="rId17"/>
+    <p:sldId id="382" r:id="rId18"/>
+    <p:sldId id="383" r:id="rId19"/>
+    <p:sldId id="384" r:id="rId20"/>
+    <p:sldId id="385" r:id="rId21"/>
+    <p:sldId id="386" r:id="rId22"/>
+    <p:sldId id="387" r:id="rId23"/>
+    <p:sldId id="388" r:id="rId24"/>
+    <p:sldId id="389" r:id="rId25"/>
+    <p:sldId id="390" r:id="rId26"/>
+    <p:sldId id="391" r:id="rId27"/>
+    <p:sldId id="392" r:id="rId28"/>
+    <p:sldId id="393" r:id="rId29"/>
+    <p:sldId id="394" r:id="rId30"/>
+    <p:sldId id="395" r:id="rId31"/>
+    <p:sldId id="396" r:id="rId32"/>
+    <p:sldId id="397" r:id="rId33"/>
+    <p:sldId id="398" r:id="rId34"/>
+    <p:sldId id="399" r:id="rId35"/>
   </p:sldIdLst>
   <p:sldSz cx="15119350" cy="10691813"/>
   <p:notesSz cx="6858000" cy="9144000"/>
@@ -234,7 +233,7 @@
           <a:p>
             <a:fld id="{5BFDD4C5-EF00-4DE8-BEEF-53090484C9F2}" type="datetimeFigureOut">
               <a:rPr lang="fr-FR" smtClean="0"/>
-              <a:t>28/08/2025</a:t>
+              <a:t>08/09/2025</a:t>
             </a:fld>
             <a:endParaRPr lang="fr-FR"/>
           </a:p>
@@ -1116,7 +1115,7 @@
             <a:fld id="{96547C70-A300-4B70-ABF8-0CD00438C332}" type="slidenum">
               <a:rPr lang="fr-FR" altLang="fr-FR" sz="1100"/>
               <a:pPr eaLnBrk="1" hangingPunct="1"/>
-              <a:t>14</a:t>
+              <a:t>13</a:t>
             </a:fld>
             <a:endParaRPr lang="fr-FR" altLang="fr-FR" sz="1100"/>
           </a:p>
@@ -3581,7 +3580,7 @@
             <a:fld id="{8DB78F3C-FE21-4E8C-A78C-3ACC08CFBB7D}" type="slidenum">
               <a:rPr lang="fr-FR" altLang="fr-FR" sz="1100"/>
               <a:pPr eaLnBrk="1" hangingPunct="1"/>
-              <a:t>7</a:t>
+              <a:t>6</a:t>
             </a:fld>
             <a:endParaRPr lang="fr-FR" altLang="fr-FR" sz="1100"/>
           </a:p>
@@ -7446,874 +7445,6 @@
       </p:grpSpPr>
       <p:sp>
         <p:nvSpPr>
-          <p:cNvPr id="33793" name="Rectangle 2">
-            <a:extLst>
-              <a:ext uri="{FF2B5EF4-FFF2-40B4-BE49-F238E27FC236}">
-                <a16:creationId xmlns:a16="http://schemas.microsoft.com/office/drawing/2014/main" id="{B82D1C4B-121E-9A99-D53B-99376C9F0449}"/>
-              </a:ext>
-            </a:extLst>
-          </p:cNvPr>
-          <p:cNvSpPr>
-            <a:spLocks noGrp="1" noChangeArrowheads="1"/>
-          </p:cNvSpPr>
-          <p:nvPr>
-            <p:ph type="title"/>
-          </p:nvPr>
-        </p:nvSpPr>
-        <p:spPr/>
-        <p:txBody>
-          <a:bodyPr/>
-          <a:lstStyle/>
-          <a:p>
-            <a:pPr eaLnBrk="1" hangingPunct="1"/>
-            <a:r>
-              <a:rPr lang="fr-FR" altLang="fr-FR"/>
-              <a:t>Définitions</a:t>
-            </a:r>
-          </a:p>
-        </p:txBody>
-      </p:sp>
-      <p:sp>
-        <p:nvSpPr>
-          <p:cNvPr id="12292" name="Rectangle 3">
-            <a:extLst>
-              <a:ext uri="{FF2B5EF4-FFF2-40B4-BE49-F238E27FC236}">
-                <a16:creationId xmlns:a16="http://schemas.microsoft.com/office/drawing/2014/main" id="{D08827A9-0DCE-2F72-B0F7-B44C6DB0AC97}"/>
-              </a:ext>
-            </a:extLst>
-          </p:cNvPr>
-          <p:cNvSpPr>
-            <a:spLocks noGrp="1" noChangeArrowheads="1"/>
-          </p:cNvSpPr>
-          <p:nvPr>
-            <p:ph idx="1"/>
-          </p:nvPr>
-        </p:nvSpPr>
-        <p:spPr/>
-        <p:txBody>
-          <a:bodyPr/>
-          <a:lstStyle/>
-          <a:p>
-            <a:pPr>
-              <a:lnSpc>
-                <a:spcPts val="3118"/>
-              </a:lnSpc>
-            </a:pPr>
-            <a:r>
-              <a:rPr lang="fr-FR" altLang="fr-FR" dirty="0"/>
-              <a:t>Soit A un attribut. On note DOM(A), le </a:t>
-            </a:r>
-            <a:r>
-              <a:rPr lang="fr-FR" altLang="fr-FR" b="1" i="1" dirty="0">
-                <a:solidFill>
-                  <a:schemeClr val="tx2"/>
-                </a:solidFill>
-              </a:rPr>
-              <a:t>domaine de A</a:t>
-            </a:r>
-            <a:r>
-              <a:rPr lang="fr-FR" altLang="fr-FR" dirty="0"/>
-              <a:t> i.e. l</a:t>
-            </a:r>
-            <a:r>
-              <a:rPr lang="ja-JP" altLang="fr-FR" dirty="0"/>
-              <a:t>’</a:t>
-            </a:r>
-            <a:r>
-              <a:rPr lang="fr-FR" altLang="ja-JP" dirty="0"/>
-              <a:t>ensemble des valeurs que peux prendre l</a:t>
-            </a:r>
-            <a:r>
-              <a:rPr lang="ja-JP" altLang="fr-FR" dirty="0"/>
-              <a:t>’</a:t>
-            </a:r>
-            <a:r>
-              <a:rPr lang="fr-FR" altLang="ja-JP" dirty="0"/>
-              <a:t>attribut A.</a:t>
-            </a:r>
-          </a:p>
-          <a:p>
-            <a:pPr lvl="1">
-              <a:lnSpc>
-                <a:spcPts val="3118"/>
-              </a:lnSpc>
-            </a:pPr>
-            <a:r>
-              <a:rPr lang="fr-FR" altLang="fr-FR" sz="2806" dirty="0"/>
-              <a:t>Ex : DOM(</a:t>
-            </a:r>
-            <a:r>
-              <a:rPr lang="fr-FR" altLang="fr-FR" sz="2806" dirty="0" err="1"/>
-              <a:t>dep</a:t>
-            </a:r>
-            <a:r>
-              <a:rPr lang="fr-FR" altLang="fr-FR" sz="2806" dirty="0"/>
-              <a:t>) = {Sciences, Lettres, Eco, Droit, SHS …}</a:t>
-            </a:r>
-          </a:p>
-          <a:p>
-            <a:pPr lvl="1">
-              <a:lnSpc>
-                <a:spcPts val="3118"/>
-              </a:lnSpc>
-            </a:pPr>
-            <a:r>
-              <a:rPr lang="fr-FR" altLang="fr-FR" sz="2806" dirty="0"/>
-              <a:t>Ex : DOM(</a:t>
-            </a:r>
-            <a:r>
-              <a:rPr lang="fr-FR" altLang="fr-FR" sz="2806" dirty="0" err="1"/>
-              <a:t>age</a:t>
-            </a:r>
-            <a:r>
-              <a:rPr lang="fr-FR" altLang="fr-FR" sz="2806" dirty="0"/>
-              <a:t>) = ensemble des entiers naturels</a:t>
-            </a:r>
-          </a:p>
-          <a:p>
-            <a:pPr eaLnBrk="1" hangingPunct="1">
-              <a:lnSpc>
-                <a:spcPct val="90000"/>
-              </a:lnSpc>
-            </a:pPr>
-            <a:endParaRPr lang="fr-FR" altLang="fr-FR" dirty="0"/>
-          </a:p>
-          <a:p>
-            <a:pPr eaLnBrk="1" hangingPunct="1">
-              <a:lnSpc>
-                <a:spcPct val="90000"/>
-              </a:lnSpc>
-            </a:pPr>
-            <a:r>
-              <a:rPr lang="fr-FR" altLang="fr-FR" dirty="0"/>
-              <a:t>Le </a:t>
-            </a:r>
-            <a:r>
-              <a:rPr lang="fr-FR" altLang="fr-FR" b="1" i="1" dirty="0">
-                <a:solidFill>
-                  <a:schemeClr val="tx2"/>
-                </a:solidFill>
-              </a:rPr>
-              <a:t>domaine actif de A dans r</a:t>
-            </a:r>
-            <a:r>
-              <a:rPr lang="fr-FR" altLang="fr-FR" dirty="0"/>
-              <a:t> noté ADOM(</a:t>
-            </a:r>
-            <a:r>
-              <a:rPr lang="fr-FR" altLang="fr-FR" dirty="0" err="1"/>
-              <a:t>A,r</a:t>
-            </a:r>
-            <a:r>
-              <a:rPr lang="fr-FR" altLang="fr-FR" dirty="0"/>
-              <a:t>), est l</a:t>
-            </a:r>
-            <a:r>
-              <a:rPr lang="ja-JP" altLang="fr-FR" dirty="0"/>
-              <a:t>’</a:t>
-            </a:r>
-            <a:r>
-              <a:rPr lang="fr-FR" altLang="ja-JP" dirty="0"/>
-              <a:t>ensemble des valeurs constantes prises par A dans r.</a:t>
-            </a:r>
-          </a:p>
-          <a:p>
-            <a:pPr lvl="1" eaLnBrk="1" hangingPunct="1">
-              <a:lnSpc>
-                <a:spcPct val="90000"/>
-              </a:lnSpc>
-            </a:pPr>
-            <a:r>
-              <a:rPr lang="fr-FR" altLang="fr-FR" sz="2806" dirty="0"/>
-              <a:t>Ex : ADOM(</a:t>
-            </a:r>
-            <a:r>
-              <a:rPr lang="fr-FR" altLang="fr-FR" sz="2806" dirty="0" err="1"/>
-              <a:t>dep,Activites</a:t>
-            </a:r>
-            <a:r>
-              <a:rPr lang="fr-FR" altLang="fr-FR" sz="2806" dirty="0"/>
-              <a:t>) = {Sciences, Lettres, Eco}</a:t>
-            </a:r>
-          </a:p>
-          <a:p>
-            <a:pPr lvl="1" eaLnBrk="1" hangingPunct="1">
-              <a:lnSpc>
-                <a:spcPct val="90000"/>
-              </a:lnSpc>
-            </a:pPr>
-            <a:endParaRPr lang="fr-FR" altLang="fr-FR" sz="2806" dirty="0">
-              <a:solidFill>
-                <a:schemeClr val="bg2"/>
-              </a:solidFill>
-            </a:endParaRPr>
-          </a:p>
-          <a:p>
-            <a:pPr eaLnBrk="1" hangingPunct="1"/>
-            <a:r>
-              <a:rPr lang="fr-FR" altLang="fr-FR" dirty="0"/>
-              <a:t>La </a:t>
-            </a:r>
-            <a:r>
-              <a:rPr lang="fr-FR" altLang="fr-FR" b="1" i="1" dirty="0">
-                <a:solidFill>
-                  <a:schemeClr val="tx2"/>
-                </a:solidFill>
-              </a:rPr>
-              <a:t>projection</a:t>
-            </a:r>
-            <a:r>
-              <a:rPr lang="fr-FR" altLang="fr-FR" dirty="0"/>
-              <a:t> d</a:t>
-            </a:r>
-            <a:r>
-              <a:rPr lang="ja-JP" altLang="fr-FR" dirty="0"/>
-              <a:t>’</a:t>
-            </a:r>
-            <a:r>
-              <a:rPr lang="fr-FR" altLang="ja-JP" dirty="0"/>
-              <a:t>un tuple t sur l</a:t>
-            </a:r>
-            <a:r>
-              <a:rPr lang="ja-JP" altLang="fr-FR" dirty="0"/>
-              <a:t>’</a:t>
-            </a:r>
-            <a:r>
-              <a:rPr lang="fr-FR" altLang="ja-JP" dirty="0"/>
-              <a:t>attribut A (resp. {A,B}) est notée t[A] (</a:t>
-            </a:r>
-            <a:r>
-              <a:rPr lang="fr-FR" altLang="ja-JP" dirty="0" err="1"/>
-              <a:t>resp</a:t>
-            </a:r>
-            <a:r>
-              <a:rPr lang="fr-FR" altLang="ja-JP" dirty="0"/>
-              <a:t> </a:t>
-            </a:r>
-            <a:r>
-              <a:rPr lang="fr-FR" altLang="ja-JP" dirty="0">
-                <a:sym typeface="Symbol" panose="05050102010706020507" pitchFamily="18" charset="2"/>
-              </a:rPr>
-              <a:t>t[A,B]).</a:t>
-            </a:r>
-          </a:p>
-          <a:p>
-            <a:pPr lvl="1" eaLnBrk="1" hangingPunct="1"/>
-            <a:r>
-              <a:rPr lang="fr-FR" altLang="fr-FR" sz="2806" dirty="0"/>
-              <a:t>Ex : Soit t = &lt;12, </a:t>
-            </a:r>
-            <a:r>
-              <a:rPr lang="fr-FR" altLang="fr-FR" sz="2806" dirty="0" err="1"/>
-              <a:t>Ijo</a:t>
-            </a:r>
-            <a:r>
-              <a:rPr lang="fr-FR" altLang="fr-FR" sz="2806" dirty="0"/>
-              <a:t>, John, 45&gt;</a:t>
-            </a:r>
-          </a:p>
-          <a:p>
-            <a:pPr lvl="1" eaLnBrk="1" hangingPunct="1"/>
-            <a:r>
-              <a:rPr lang="fr-FR" altLang="fr-FR" sz="2806" dirty="0"/>
-              <a:t>t[nom] = &lt;</a:t>
-            </a:r>
-            <a:r>
-              <a:rPr lang="fr-FR" altLang="fr-FR" sz="2806" dirty="0" err="1"/>
-              <a:t>Ijo</a:t>
-            </a:r>
-            <a:r>
-              <a:rPr lang="fr-FR" altLang="fr-FR" sz="2806" dirty="0"/>
-              <a:t>&gt; et t[nom, </a:t>
-            </a:r>
-            <a:r>
-              <a:rPr lang="fr-FR" altLang="fr-FR" sz="2806" dirty="0" err="1"/>
-              <a:t>prenom</a:t>
-            </a:r>
-            <a:r>
-              <a:rPr lang="fr-FR" altLang="fr-FR" sz="2806" dirty="0"/>
-              <a:t>] = &lt;</a:t>
-            </a:r>
-            <a:r>
-              <a:rPr lang="fr-FR" altLang="fr-FR" sz="2806" dirty="0" err="1"/>
-              <a:t>Ijo</a:t>
-            </a:r>
-            <a:r>
-              <a:rPr lang="fr-FR" altLang="fr-FR" sz="2806" dirty="0"/>
-              <a:t>, John&gt;</a:t>
-            </a:r>
-          </a:p>
-          <a:p>
-            <a:pPr lvl="1" eaLnBrk="1" hangingPunct="1">
-              <a:lnSpc>
-                <a:spcPct val="90000"/>
-              </a:lnSpc>
-            </a:pPr>
-            <a:endParaRPr lang="fr-FR" altLang="fr-FR" sz="2806" dirty="0">
-              <a:solidFill>
-                <a:schemeClr val="bg2"/>
-              </a:solidFill>
-            </a:endParaRPr>
-          </a:p>
-        </p:txBody>
-      </p:sp>
-      <p:sp>
-        <p:nvSpPr>
-          <p:cNvPr id="33795" name="Espace réservé du numéro de diapositive 5">
-            <a:extLst>
-              <a:ext uri="{FF2B5EF4-FFF2-40B4-BE49-F238E27FC236}">
-                <a16:creationId xmlns:a16="http://schemas.microsoft.com/office/drawing/2014/main" id="{61443F3E-4526-5DA7-BC3B-05E66148B232}"/>
-              </a:ext>
-            </a:extLst>
-          </p:cNvPr>
-          <p:cNvSpPr>
-            <a:spLocks noGrp="1"/>
-          </p:cNvSpPr>
-          <p:nvPr>
-            <p:ph type="sldNum" sz="quarter" idx="11"/>
-          </p:nvPr>
-        </p:nvSpPr>
-        <p:spPr bwMode="auto">
-          <a:xfrm>
-            <a:off x="13214350" y="10387013"/>
-            <a:ext cx="1905000" cy="304800"/>
-          </a:xfrm>
-          <a:prstGeom prst="rect">
-            <a:avLst/>
-          </a:prstGeom>
-          <a:noFill/>
-          <a:ln w="9525">
-            <a:noFill/>
-            <a:miter lim="800000"/>
-            <a:headEnd/>
-            <a:tailEnd/>
-          </a:ln>
-          <a:extLst>
-            <a:ext uri="{909E8E84-426E-40DD-AFC4-6F175D3DCCD1}">
-              <a14:hiddenFill xmlns:a14="http://schemas.microsoft.com/office/drawing/2010/main">
-                <a:solidFill>
-                  <a:srgbClr val="FFFFFF"/>
-                </a:solidFill>
-              </a14:hiddenFill>
-            </a:ext>
-            <a:ext uri="{91240B29-F687-4F45-9708-019B960494DF}">
-              <a14:hiddenLine xmlns:a14="http://schemas.microsoft.com/office/drawing/2010/main" w="9525">
-                <a:solidFill>
-                  <a:srgbClr val="000000"/>
-                </a:solidFill>
-                <a:miter lim="800000"/>
-                <a:headEnd/>
-                <a:tailEnd/>
-              </a14:hiddenLine>
-            </a:ext>
-          </a:extLst>
-        </p:spPr>
-        <p:txBody>
-          <a:bodyPr vert="horz" wrap="square" lIns="91440" tIns="45720" rIns="91440" bIns="45720" numCol="1" anchor="t" anchorCtr="0" compatLnSpc="1">
-            <a:prstTxWarp prst="textNoShape">
-              <a:avLst/>
-            </a:prstTxWarp>
-          </a:bodyPr>
-          <a:lstStyle>
-            <a:defPPr>
-              <a:defRPr lang="fr-FR"/>
-            </a:defPPr>
-            <a:lvl1pPr algn="r" rtl="0" fontAlgn="base">
-              <a:spcBef>
-                <a:spcPct val="50000"/>
-              </a:spcBef>
-              <a:spcAft>
-                <a:spcPct val="0"/>
-              </a:spcAft>
-              <a:defRPr sz="1400" kern="1200">
-                <a:solidFill>
-                  <a:srgbClr val="1D0401"/>
-                </a:solidFill>
-                <a:latin typeface="Times New Roman" panose="02020603050405020304" pitchFamily="18" charset="0"/>
-                <a:ea typeface="MS PGothic" panose="020B0600070205080204" pitchFamily="34" charset="-128"/>
-                <a:cs typeface="+mn-cs"/>
-              </a:defRPr>
-            </a:lvl1pPr>
-            <a:lvl2pPr marL="457200" algn="l" rtl="0" fontAlgn="base">
-              <a:spcBef>
-                <a:spcPct val="0"/>
-              </a:spcBef>
-              <a:spcAft>
-                <a:spcPct val="0"/>
-              </a:spcAft>
-              <a:defRPr kern="1200">
-                <a:solidFill>
-                  <a:schemeClr val="tx1"/>
-                </a:solidFill>
-                <a:latin typeface="Arial" panose="020B0604020202020204" pitchFamily="34" charset="0"/>
-                <a:ea typeface="MS PGothic" panose="020B0600070205080204" pitchFamily="34" charset="-128"/>
-                <a:cs typeface="+mn-cs"/>
-              </a:defRPr>
-            </a:lvl2pPr>
-            <a:lvl3pPr marL="914400" algn="l" rtl="0" fontAlgn="base">
-              <a:spcBef>
-                <a:spcPct val="0"/>
-              </a:spcBef>
-              <a:spcAft>
-                <a:spcPct val="0"/>
-              </a:spcAft>
-              <a:defRPr kern="1200">
-                <a:solidFill>
-                  <a:schemeClr val="tx1"/>
-                </a:solidFill>
-                <a:latin typeface="Arial" panose="020B0604020202020204" pitchFamily="34" charset="0"/>
-                <a:ea typeface="MS PGothic" panose="020B0600070205080204" pitchFamily="34" charset="-128"/>
-                <a:cs typeface="+mn-cs"/>
-              </a:defRPr>
-            </a:lvl3pPr>
-            <a:lvl4pPr marL="1371600" algn="l" rtl="0" fontAlgn="base">
-              <a:spcBef>
-                <a:spcPct val="0"/>
-              </a:spcBef>
-              <a:spcAft>
-                <a:spcPct val="0"/>
-              </a:spcAft>
-              <a:defRPr kern="1200">
-                <a:solidFill>
-                  <a:schemeClr val="tx1"/>
-                </a:solidFill>
-                <a:latin typeface="Arial" panose="020B0604020202020204" pitchFamily="34" charset="0"/>
-                <a:ea typeface="MS PGothic" panose="020B0600070205080204" pitchFamily="34" charset="-128"/>
-                <a:cs typeface="+mn-cs"/>
-              </a:defRPr>
-            </a:lvl4pPr>
-            <a:lvl5pPr marL="1828800" algn="l" rtl="0" fontAlgn="base">
-              <a:spcBef>
-                <a:spcPct val="0"/>
-              </a:spcBef>
-              <a:spcAft>
-                <a:spcPct val="0"/>
-              </a:spcAft>
-              <a:defRPr kern="1200">
-                <a:solidFill>
-                  <a:schemeClr val="tx1"/>
-                </a:solidFill>
-                <a:latin typeface="Arial" panose="020B0604020202020204" pitchFamily="34" charset="0"/>
-                <a:ea typeface="MS PGothic" panose="020B0600070205080204" pitchFamily="34" charset="-128"/>
-                <a:cs typeface="+mn-cs"/>
-              </a:defRPr>
-            </a:lvl5pPr>
-            <a:lvl6pPr marL="2286000" algn="l" defTabSz="914400" rtl="0" eaLnBrk="1" latinLnBrk="0" hangingPunct="1">
-              <a:defRPr kern="1200">
-                <a:solidFill>
-                  <a:schemeClr val="tx1"/>
-                </a:solidFill>
-                <a:latin typeface="Arial" panose="020B0604020202020204" pitchFamily="34" charset="0"/>
-                <a:ea typeface="MS PGothic" panose="020B0600070205080204" pitchFamily="34" charset="-128"/>
-                <a:cs typeface="+mn-cs"/>
-              </a:defRPr>
-            </a:lvl6pPr>
-            <a:lvl7pPr marL="2743200" algn="l" defTabSz="914400" rtl="0" eaLnBrk="1" latinLnBrk="0" hangingPunct="1">
-              <a:defRPr kern="1200">
-                <a:solidFill>
-                  <a:schemeClr val="tx1"/>
-                </a:solidFill>
-                <a:latin typeface="Arial" panose="020B0604020202020204" pitchFamily="34" charset="0"/>
-                <a:ea typeface="MS PGothic" panose="020B0600070205080204" pitchFamily="34" charset="-128"/>
-                <a:cs typeface="+mn-cs"/>
-              </a:defRPr>
-            </a:lvl7pPr>
-            <a:lvl8pPr marL="3200400" algn="l" defTabSz="914400" rtl="0" eaLnBrk="1" latinLnBrk="0" hangingPunct="1">
-              <a:defRPr kern="1200">
-                <a:solidFill>
-                  <a:schemeClr val="tx1"/>
-                </a:solidFill>
-                <a:latin typeface="Arial" panose="020B0604020202020204" pitchFamily="34" charset="0"/>
-                <a:ea typeface="MS PGothic" panose="020B0600070205080204" pitchFamily="34" charset="-128"/>
-                <a:cs typeface="+mn-cs"/>
-              </a:defRPr>
-            </a:lvl8pPr>
-            <a:lvl9pPr marL="3657600" algn="l" defTabSz="914400" rtl="0" eaLnBrk="1" latinLnBrk="0" hangingPunct="1">
-              <a:defRPr kern="1200">
-                <a:solidFill>
-                  <a:schemeClr val="tx1"/>
-                </a:solidFill>
-                <a:latin typeface="Arial" panose="020B0604020202020204" pitchFamily="34" charset="0"/>
-                <a:ea typeface="MS PGothic" panose="020B0600070205080204" pitchFamily="34" charset="-128"/>
-                <a:cs typeface="+mn-cs"/>
-              </a:defRPr>
-            </a:lvl9pPr>
-          </a:lstStyle>
-          <a:p>
-            <a:pPr eaLnBrk="1" hangingPunct="1"/>
-            <a:fld id="{B717CBAD-AC6B-411C-85C1-25B06EA27F37}" type="slidenum">
-              <a:rPr lang="fr-FR" altLang="fr-FR" smtClean="0"/>
-              <a:pPr eaLnBrk="1" hangingPunct="1"/>
-              <a:t>10</a:t>
-            </a:fld>
-            <a:endParaRPr lang="fr-FR" altLang="fr-FR" sz="2183" dirty="0">
-              <a:solidFill>
-                <a:srgbClr val="1D0401"/>
-              </a:solidFill>
-              <a:latin typeface="Times New Roman" panose="02020603050405020304" pitchFamily="18" charset="0"/>
-            </a:endParaRPr>
-          </a:p>
-        </p:txBody>
-      </p:sp>
-    </p:spTree>
-  </p:cSld>
-  <p:clrMapOvr>
-    <a:masterClrMapping/>
-  </p:clrMapOvr>
-  <p:timing>
-    <p:tnLst>
-      <p:par>
-        <p:cTn id="1" dur="indefinite" restart="never" nodeType="tmRoot">
-          <p:childTnLst>
-            <p:seq concurrent="1" nextAc="seek">
-              <p:cTn id="2" dur="indefinite" nodeType="mainSeq">
-                <p:childTnLst>
-                  <p:par>
-                    <p:cTn id="3" fill="hold" nodeType="clickPar">
-                      <p:stCondLst>
-                        <p:cond delay="indefinite"/>
-                      </p:stCondLst>
-                      <p:childTnLst>
-                        <p:par>
-                          <p:cTn id="4" fill="hold" nodeType="withGroup">
-                            <p:stCondLst>
-                              <p:cond delay="0"/>
-                            </p:stCondLst>
-                            <p:childTnLst>
-                              <p:par>
-                                <p:cTn id="5" presetID="1" presetClass="entr" presetSubtype="0" fill="hold" nodeType="clickEffect">
-                                  <p:stCondLst>
-                                    <p:cond delay="0"/>
-                                  </p:stCondLst>
-                                  <p:childTnLst>
-                                    <p:set>
-                                      <p:cBhvr>
-                                        <p:cTn id="6" dur="1" fill="hold">
-                                          <p:stCondLst>
-                                            <p:cond delay="0"/>
-                                          </p:stCondLst>
-                                        </p:cTn>
-                                        <p:tgtEl>
-                                          <p:spTgt spid="12292">
-                                            <p:txEl>
-                                              <p:pRg st="0" end="0"/>
-                                            </p:txEl>
-                                          </p:spTgt>
-                                        </p:tgtEl>
-                                        <p:attrNameLst>
-                                          <p:attrName>style.visibility</p:attrName>
-                                        </p:attrNameLst>
-                                      </p:cBhvr>
-                                      <p:to>
-                                        <p:strVal val="visible"/>
-                                      </p:to>
-                                    </p:set>
-                                  </p:childTnLst>
-                                </p:cTn>
-                              </p:par>
-                              <p:par>
-                                <p:cTn id="7" presetID="1" presetClass="entr" presetSubtype="0" fill="hold" nodeType="withEffect">
-                                  <p:stCondLst>
-                                    <p:cond delay="0"/>
-                                  </p:stCondLst>
-                                  <p:childTnLst>
-                                    <p:set>
-                                      <p:cBhvr>
-                                        <p:cTn id="8" dur="1" fill="hold">
-                                          <p:stCondLst>
-                                            <p:cond delay="0"/>
-                                          </p:stCondLst>
-                                        </p:cTn>
-                                        <p:tgtEl>
-                                          <p:spTgt spid="12292">
-                                            <p:txEl>
-                                              <p:pRg st="1" end="1"/>
-                                            </p:txEl>
-                                          </p:spTgt>
-                                        </p:tgtEl>
-                                        <p:attrNameLst>
-                                          <p:attrName>style.visibility</p:attrName>
-                                        </p:attrNameLst>
-                                      </p:cBhvr>
-                                      <p:to>
-                                        <p:strVal val="visible"/>
-                                      </p:to>
-                                    </p:set>
-                                  </p:childTnLst>
-                                </p:cTn>
-                              </p:par>
-                              <p:par>
-                                <p:cTn id="9" presetID="1" presetClass="entr" presetSubtype="0" fill="hold" nodeType="withEffect">
-                                  <p:stCondLst>
-                                    <p:cond delay="0"/>
-                                  </p:stCondLst>
-                                  <p:childTnLst>
-                                    <p:set>
-                                      <p:cBhvr>
-                                        <p:cTn id="10" dur="1" fill="hold">
-                                          <p:stCondLst>
-                                            <p:cond delay="0"/>
-                                          </p:stCondLst>
-                                        </p:cTn>
-                                        <p:tgtEl>
-                                          <p:spTgt spid="12292">
-                                            <p:txEl>
-                                              <p:pRg st="2" end="2"/>
-                                            </p:txEl>
-                                          </p:spTgt>
-                                        </p:tgtEl>
-                                        <p:attrNameLst>
-                                          <p:attrName>style.visibility</p:attrName>
-                                        </p:attrNameLst>
-                                      </p:cBhvr>
-                                      <p:to>
-                                        <p:strVal val="visible"/>
-                                      </p:to>
-                                    </p:set>
-                                  </p:childTnLst>
-                                </p:cTn>
-                              </p:par>
-                            </p:childTnLst>
-                          </p:cTn>
-                        </p:par>
-                      </p:childTnLst>
-                    </p:cTn>
-                  </p:par>
-                  <p:par>
-                    <p:cTn id="11" fill="hold" nodeType="clickPar">
-                      <p:stCondLst>
-                        <p:cond delay="indefinite"/>
-                      </p:stCondLst>
-                      <p:childTnLst>
-                        <p:par>
-                          <p:cTn id="12" fill="hold" nodeType="withGroup">
-                            <p:stCondLst>
-                              <p:cond delay="0"/>
-                            </p:stCondLst>
-                            <p:childTnLst>
-                              <p:par>
-                                <p:cTn id="13" presetID="1" presetClass="entr" presetSubtype="0" fill="hold" nodeType="clickEffect">
-                                  <p:stCondLst>
-                                    <p:cond delay="0"/>
-                                  </p:stCondLst>
-                                  <p:childTnLst>
-                                    <p:set>
-                                      <p:cBhvr>
-                                        <p:cTn id="14" dur="1" fill="hold">
-                                          <p:stCondLst>
-                                            <p:cond delay="0"/>
-                                          </p:stCondLst>
-                                        </p:cTn>
-                                        <p:tgtEl>
-                                          <p:spTgt spid="12292">
-                                            <p:txEl>
-                                              <p:pRg st="4" end="4"/>
-                                            </p:txEl>
-                                          </p:spTgt>
-                                        </p:tgtEl>
-                                        <p:attrNameLst>
-                                          <p:attrName>style.visibility</p:attrName>
-                                        </p:attrNameLst>
-                                      </p:cBhvr>
-                                      <p:to>
-                                        <p:strVal val="visible"/>
-                                      </p:to>
-                                    </p:set>
-                                  </p:childTnLst>
-                                </p:cTn>
-                              </p:par>
-                              <p:par>
-                                <p:cTn id="15" presetID="1" presetClass="entr" presetSubtype="0" fill="hold" nodeType="withEffect">
-                                  <p:stCondLst>
-                                    <p:cond delay="0"/>
-                                  </p:stCondLst>
-                                  <p:childTnLst>
-                                    <p:set>
-                                      <p:cBhvr>
-                                        <p:cTn id="16" dur="1" fill="hold">
-                                          <p:stCondLst>
-                                            <p:cond delay="0"/>
-                                          </p:stCondLst>
-                                        </p:cTn>
-                                        <p:tgtEl>
-                                          <p:spTgt spid="12292">
-                                            <p:txEl>
-                                              <p:pRg st="5" end="5"/>
-                                            </p:txEl>
-                                          </p:spTgt>
-                                        </p:tgtEl>
-                                        <p:attrNameLst>
-                                          <p:attrName>style.visibility</p:attrName>
-                                        </p:attrNameLst>
-                                      </p:cBhvr>
-                                      <p:to>
-                                        <p:strVal val="visible"/>
-                                      </p:to>
-                                    </p:set>
-                                  </p:childTnLst>
-                                </p:cTn>
-                              </p:par>
-                            </p:childTnLst>
-                          </p:cTn>
-                        </p:par>
-                      </p:childTnLst>
-                    </p:cTn>
-                  </p:par>
-                  <p:par>
-                    <p:cTn id="17" fill="hold" nodeType="clickPar">
-                      <p:stCondLst>
-                        <p:cond delay="indefinite"/>
-                      </p:stCondLst>
-                      <p:childTnLst>
-                        <p:par>
-                          <p:cTn id="18" fill="hold" nodeType="withGroup">
-                            <p:stCondLst>
-                              <p:cond delay="0"/>
-                            </p:stCondLst>
-                            <p:childTnLst>
-                              <p:par>
-                                <p:cTn id="19" presetID="1" presetClass="entr" presetSubtype="0" fill="hold" nodeType="clickEffect">
-                                  <p:stCondLst>
-                                    <p:cond delay="0"/>
-                                  </p:stCondLst>
-                                  <p:childTnLst>
-                                    <p:set>
-                                      <p:cBhvr>
-                                        <p:cTn id="20" dur="1" fill="hold">
-                                          <p:stCondLst>
-                                            <p:cond delay="0"/>
-                                          </p:stCondLst>
-                                        </p:cTn>
-                                        <p:tgtEl>
-                                          <p:spTgt spid="12292">
-                                            <p:txEl>
-                                              <p:pRg st="7" end="7"/>
-                                            </p:txEl>
-                                          </p:spTgt>
-                                        </p:tgtEl>
-                                        <p:attrNameLst>
-                                          <p:attrName>style.visibility</p:attrName>
-                                        </p:attrNameLst>
-                                      </p:cBhvr>
-                                      <p:to>
-                                        <p:strVal val="visible"/>
-                                      </p:to>
-                                    </p:set>
-                                  </p:childTnLst>
-                                </p:cTn>
-                              </p:par>
-                              <p:par>
-                                <p:cTn id="21" presetID="1" presetClass="entr" presetSubtype="0" fill="hold" nodeType="withEffect">
-                                  <p:stCondLst>
-                                    <p:cond delay="0"/>
-                                  </p:stCondLst>
-                                  <p:childTnLst>
-                                    <p:set>
-                                      <p:cBhvr>
-                                        <p:cTn id="22" dur="1" fill="hold">
-                                          <p:stCondLst>
-                                            <p:cond delay="0"/>
-                                          </p:stCondLst>
-                                        </p:cTn>
-                                        <p:tgtEl>
-                                          <p:spTgt spid="12292">
-                                            <p:txEl>
-                                              <p:pRg st="8" end="8"/>
-                                            </p:txEl>
-                                          </p:spTgt>
-                                        </p:tgtEl>
-                                        <p:attrNameLst>
-                                          <p:attrName>style.visibility</p:attrName>
-                                        </p:attrNameLst>
-                                      </p:cBhvr>
-                                      <p:to>
-                                        <p:strVal val="visible"/>
-                                      </p:to>
-                                    </p:set>
-                                  </p:childTnLst>
-                                </p:cTn>
-                              </p:par>
-                              <p:par>
-                                <p:cTn id="23" presetID="1" presetClass="entr" presetSubtype="0" fill="hold" nodeType="withEffect">
-                                  <p:stCondLst>
-                                    <p:cond delay="0"/>
-                                  </p:stCondLst>
-                                  <p:childTnLst>
-                                    <p:set>
-                                      <p:cBhvr>
-                                        <p:cTn id="24" dur="1" fill="hold">
-                                          <p:stCondLst>
-                                            <p:cond delay="0"/>
-                                          </p:stCondLst>
-                                        </p:cTn>
-                                        <p:tgtEl>
-                                          <p:spTgt spid="12292">
-                                            <p:txEl>
-                                              <p:pRg st="9" end="9"/>
-                                            </p:txEl>
-                                          </p:spTgt>
-                                        </p:tgtEl>
-                                        <p:attrNameLst>
-                                          <p:attrName>style.visibility</p:attrName>
-                                        </p:attrNameLst>
-                                      </p:cBhvr>
-                                      <p:to>
-                                        <p:strVal val="visible"/>
-                                      </p:to>
-                                    </p:set>
-                                  </p:childTnLst>
-                                </p:cTn>
-                              </p:par>
-                            </p:childTnLst>
-                          </p:cTn>
-                        </p:par>
-                      </p:childTnLst>
-                    </p:cTn>
-                  </p:par>
-                </p:childTnLst>
-              </p:cTn>
-              <p:prevCondLst>
-                <p:cond evt="onPrev" delay="0">
-                  <p:tgtEl>
-                    <p:sldTgt/>
-                  </p:tgtEl>
-                </p:cond>
-              </p:prevCondLst>
-              <p:nextCondLst>
-                <p:cond evt="onNext" delay="0">
-                  <p:tgtEl>
-                    <p:sldTgt/>
-                  </p:tgtEl>
-                </p:cond>
-              </p:nextCondLst>
-            </p:seq>
-          </p:childTnLst>
-        </p:cTn>
-      </p:par>
-    </p:tnLst>
-  </p:timing>
-</p:sld>
-</file>
-
-<file path=ppt/slides/slide11.xml><?xml version="1.0" encoding="utf-8"?>
-<p:sld xmlns:a="http://schemas.openxmlformats.org/drawingml/2006/main" xmlns:r="http://schemas.openxmlformats.org/officeDocument/2006/relationships" xmlns:p="http://schemas.openxmlformats.org/presentationml/2006/main">
-  <p:cSld>
-    <p:spTree>
-      <p:nvGrpSpPr>
-        <p:cNvPr id="1" name=""/>
-        <p:cNvGrpSpPr/>
-        <p:nvPr/>
-      </p:nvGrpSpPr>
-      <p:grpSpPr>
-        <a:xfrm>
-          <a:off x="0" y="0"/>
-          <a:ext cx="0" cy="0"/>
-          <a:chOff x="0" y="0"/>
-          <a:chExt cx="0" cy="0"/>
-        </a:xfrm>
-      </p:grpSpPr>
-      <p:sp>
-        <p:nvSpPr>
           <p:cNvPr id="35841" name="Rectangle 2">
             <a:extLst>
               <a:ext uri="{FF2B5EF4-FFF2-40B4-BE49-F238E27FC236}">
@@ -8660,7 +7791,7 @@
             <a:fld id="{B717CBAD-AC6B-411C-85C1-25B06EA27F37}" type="slidenum">
               <a:rPr lang="fr-FR" altLang="fr-FR" smtClean="0"/>
               <a:pPr eaLnBrk="1" hangingPunct="1"/>
-              <a:t>11</a:t>
+              <a:t>10</a:t>
             </a:fld>
             <a:endParaRPr lang="fr-FR" altLang="fr-FR" sz="2183" dirty="0">
               <a:solidFill>
@@ -8679,7 +7810,7 @@
 </p:sld>
 </file>
 
-<file path=ppt/slides/slide12.xml><?xml version="1.0" encoding="utf-8"?>
+<file path=ppt/slides/slide11.xml><?xml version="1.0" encoding="utf-8"?>
 <p:sld xmlns:a="http://schemas.openxmlformats.org/drawingml/2006/main" xmlns:r="http://schemas.openxmlformats.org/officeDocument/2006/relationships" xmlns:p="http://schemas.openxmlformats.org/presentationml/2006/main">
   <p:cSld>
     <p:spTree>
@@ -9263,7 +8394,7 @@
             <a:fld id="{B717CBAD-AC6B-411C-85C1-25B06EA27F37}" type="slidenum">
               <a:rPr lang="fr-FR" altLang="fr-FR" smtClean="0"/>
               <a:pPr eaLnBrk="1" hangingPunct="1"/>
-              <a:t>12</a:t>
+              <a:t>11</a:t>
             </a:fld>
             <a:endParaRPr lang="fr-FR" altLang="fr-FR" sz="2183" dirty="0">
               <a:solidFill>
@@ -9565,7 +8696,7 @@
 </p:sld>
 </file>
 
-<file path=ppt/slides/slide13.xml><?xml version="1.0" encoding="utf-8"?>
+<file path=ppt/slides/slide12.xml><?xml version="1.0" encoding="utf-8"?>
 <p:sld xmlns:a="http://schemas.openxmlformats.org/drawingml/2006/main" xmlns:r="http://schemas.openxmlformats.org/officeDocument/2006/relationships" xmlns:p="http://schemas.openxmlformats.org/presentationml/2006/main">
   <p:cSld>
     <p:spTree>
@@ -9937,7 +9068,7 @@
             <a:fld id="{B717CBAD-AC6B-411C-85C1-25B06EA27F37}" type="slidenum">
               <a:rPr lang="fr-FR" altLang="fr-FR" smtClean="0"/>
               <a:pPr eaLnBrk="1" hangingPunct="1"/>
-              <a:t>13</a:t>
+              <a:t>12</a:t>
             </a:fld>
             <a:endParaRPr lang="fr-FR" altLang="fr-FR" sz="2183" dirty="0">
               <a:solidFill>
@@ -9956,7 +9087,7 @@
 </p:sld>
 </file>
 
-<file path=ppt/slides/slide14.xml><?xml version="1.0" encoding="utf-8"?>
+<file path=ppt/slides/slide13.xml><?xml version="1.0" encoding="utf-8"?>
 <p:sld xmlns:a="http://schemas.openxmlformats.org/drawingml/2006/main" xmlns:r="http://schemas.openxmlformats.org/officeDocument/2006/relationships" xmlns:p="http://schemas.openxmlformats.org/presentationml/2006/main">
   <p:cSld>
     <p:spTree>
@@ -10189,7 +9320,7 @@
             <a:fld id="{B717CBAD-AC6B-411C-85C1-25B06EA27F37}" type="slidenum">
               <a:rPr lang="fr-FR" altLang="fr-FR" smtClean="0"/>
               <a:pPr eaLnBrk="1" hangingPunct="1"/>
-              <a:t>14</a:t>
+              <a:t>13</a:t>
             </a:fld>
             <a:endParaRPr lang="fr-FR" altLang="fr-FR" sz="2183">
               <a:solidFill>
@@ -10701,7 +9832,7 @@
 </p:sld>
 </file>
 
-<file path=ppt/slides/slide15.xml><?xml version="1.0" encoding="utf-8"?>
+<file path=ppt/slides/slide14.xml><?xml version="1.0" encoding="utf-8"?>
 <p:sld xmlns:a="http://schemas.openxmlformats.org/drawingml/2006/main" xmlns:r="http://schemas.openxmlformats.org/officeDocument/2006/relationships" xmlns:p="http://schemas.openxmlformats.org/presentationml/2006/main">
   <p:cSld>
     <p:spTree>
@@ -11252,8 +10383,8 @@
             <a:pPr eaLnBrk="1" hangingPunct="1"/>
             <a:fld id="{B717CBAD-AC6B-411C-85C1-25B06EA27F37}" type="slidenum">
               <a:rPr lang="fr-FR" altLang="fr-FR" smtClean="0"/>
-              <a:pPr/>
-              <a:t>15</a:t>
+              <a:pPr eaLnBrk="1" hangingPunct="1"/>
+              <a:t>14</a:t>
             </a:fld>
             <a:endParaRPr lang="en-US" altLang="fr-FR" sz="2183" dirty="0">
               <a:solidFill>
@@ -11642,7 +10773,7 @@
 </p:sld>
 </file>
 
-<file path=ppt/slides/slide16.xml><?xml version="1.0" encoding="utf-8"?>
+<file path=ppt/slides/slide15.xml><?xml version="1.0" encoding="utf-8"?>
 <p:sld xmlns:a="http://schemas.openxmlformats.org/drawingml/2006/main" xmlns:r="http://schemas.openxmlformats.org/officeDocument/2006/relationships" xmlns:p="http://schemas.openxmlformats.org/presentationml/2006/main">
   <p:cSld>
     <p:spTree>
@@ -12045,8 +11176,8 @@
             <a:pPr eaLnBrk="1" hangingPunct="1"/>
             <a:fld id="{B717CBAD-AC6B-411C-85C1-25B06EA27F37}" type="slidenum">
               <a:rPr lang="fr-FR" altLang="fr-FR" smtClean="0"/>
-              <a:pPr/>
-              <a:t>16</a:t>
+              <a:pPr eaLnBrk="1" hangingPunct="1"/>
+              <a:t>15</a:t>
             </a:fld>
             <a:endParaRPr lang="fr-FR" altLang="fr-FR" sz="2183" dirty="0">
               <a:solidFill>
@@ -12065,7 +11196,7 @@
 </p:sld>
 </file>
 
-<file path=ppt/slides/slide17.xml><?xml version="1.0" encoding="utf-8"?>
+<file path=ppt/slides/slide16.xml><?xml version="1.0" encoding="utf-8"?>
 <p:sld xmlns:a="http://schemas.openxmlformats.org/drawingml/2006/main" xmlns:r="http://schemas.openxmlformats.org/officeDocument/2006/relationships" xmlns:p="http://schemas.openxmlformats.org/presentationml/2006/main">
   <p:cSld>
     <p:spTree>
@@ -12448,8 +11579,8 @@
             <a:pPr eaLnBrk="1" hangingPunct="1"/>
             <a:fld id="{B717CBAD-AC6B-411C-85C1-25B06EA27F37}" type="slidenum">
               <a:rPr lang="fr-FR" altLang="fr-FR" smtClean="0"/>
-              <a:pPr/>
-              <a:t>17</a:t>
+              <a:pPr eaLnBrk="1" hangingPunct="1"/>
+              <a:t>16</a:t>
             </a:fld>
             <a:endParaRPr lang="fr-FR" altLang="fr-FR" sz="2183" dirty="0">
               <a:solidFill>
@@ -12468,7 +11599,7 @@
 </p:sld>
 </file>
 
-<file path=ppt/slides/slide18.xml><?xml version="1.0" encoding="utf-8"?>
+<file path=ppt/slides/slide17.xml><?xml version="1.0" encoding="utf-8"?>
 <p:sld xmlns:a="http://schemas.openxmlformats.org/drawingml/2006/main" xmlns:r="http://schemas.openxmlformats.org/officeDocument/2006/relationships" xmlns:p="http://schemas.openxmlformats.org/presentationml/2006/main" showMasterPhAnim="0">
   <p:cSld>
     <p:spTree>
@@ -13380,8 +12511,8 @@
             <a:pPr eaLnBrk="1" hangingPunct="1"/>
             <a:fld id="{B717CBAD-AC6B-411C-85C1-25B06EA27F37}" type="slidenum">
               <a:rPr lang="fr-FR" altLang="fr-FR" smtClean="0"/>
-              <a:pPr/>
-              <a:t>18</a:t>
+              <a:pPr eaLnBrk="1" hangingPunct="1"/>
+              <a:t>17</a:t>
             </a:fld>
             <a:endParaRPr lang="fr-FR" altLang="fr-FR" sz="2183">
               <a:solidFill>
@@ -13958,7 +13089,7 @@
 </p:sld>
 </file>
 
-<file path=ppt/slides/slide19.xml><?xml version="1.0" encoding="utf-8"?>
+<file path=ppt/slides/slide18.xml><?xml version="1.0" encoding="utf-8"?>
 <p:sld xmlns:a="http://schemas.openxmlformats.org/drawingml/2006/main" xmlns:r="http://schemas.openxmlformats.org/officeDocument/2006/relationships" xmlns:p="http://schemas.openxmlformats.org/presentationml/2006/main">
   <p:cSld>
     <p:spTree>
@@ -14341,8 +13472,8 @@
             <a:pPr eaLnBrk="1" hangingPunct="1"/>
             <a:fld id="{B717CBAD-AC6B-411C-85C1-25B06EA27F37}" type="slidenum">
               <a:rPr lang="fr-FR" altLang="fr-FR" smtClean="0"/>
-              <a:pPr/>
-              <a:t>19</a:t>
+              <a:pPr eaLnBrk="1" hangingPunct="1"/>
+              <a:t>18</a:t>
             </a:fld>
             <a:endParaRPr lang="fr-FR" altLang="fr-FR" sz="2183" dirty="0">
               <a:solidFill>
@@ -14791,342 +13922,7 @@
 </p:sld>
 </file>
 
-<file path=ppt/slides/slide2.xml><?xml version="1.0" encoding="utf-8"?>
-<p:sld xmlns:a="http://schemas.openxmlformats.org/drawingml/2006/main" xmlns:r="http://schemas.openxmlformats.org/officeDocument/2006/relationships" xmlns:p="http://schemas.openxmlformats.org/presentationml/2006/main">
-  <p:cSld>
-    <p:spTree>
-      <p:nvGrpSpPr>
-        <p:cNvPr id="1" name=""/>
-        <p:cNvGrpSpPr/>
-        <p:nvPr/>
-      </p:nvGrpSpPr>
-      <p:grpSpPr>
-        <a:xfrm>
-          <a:off x="0" y="0"/>
-          <a:ext cx="0" cy="0"/>
-          <a:chOff x="0" y="0"/>
-          <a:chExt cx="0" cy="0"/>
-        </a:xfrm>
-      </p:grpSpPr>
-      <p:sp>
-        <p:nvSpPr>
-          <p:cNvPr id="2" name="Titre 1">
-            <a:extLst>
-              <a:ext uri="{FF2B5EF4-FFF2-40B4-BE49-F238E27FC236}">
-                <a16:creationId xmlns:a16="http://schemas.microsoft.com/office/drawing/2014/main" id="{17A8D31F-8EFF-5FD4-A161-B593F31EB30B}"/>
-              </a:ext>
-            </a:extLst>
-          </p:cNvPr>
-          <p:cNvSpPr>
-            <a:spLocks noGrp="1"/>
-          </p:cNvSpPr>
-          <p:nvPr>
-            <p:ph type="title"/>
-          </p:nvPr>
-        </p:nvSpPr>
-        <p:spPr/>
-        <p:txBody>
-          <a:bodyPr/>
-          <a:lstStyle/>
-          <a:p>
-            <a:r>
-              <a:rPr lang="fr-FR" dirty="0"/>
-              <a:t>Présentation de la ressource</a:t>
-            </a:r>
-          </a:p>
-        </p:txBody>
-      </p:sp>
-      <p:sp>
-        <p:nvSpPr>
-          <p:cNvPr id="3" name="Espace réservé du contenu 2">
-            <a:extLst>
-              <a:ext uri="{FF2B5EF4-FFF2-40B4-BE49-F238E27FC236}">
-                <a16:creationId xmlns:a16="http://schemas.microsoft.com/office/drawing/2014/main" id="{F6F2A63D-D580-092A-E53D-E4CBD9C24117}"/>
-              </a:ext>
-            </a:extLst>
-          </p:cNvPr>
-          <p:cNvSpPr>
-            <a:spLocks noGrp="1"/>
-          </p:cNvSpPr>
-          <p:nvPr>
-            <p:ph idx="1"/>
-          </p:nvPr>
-        </p:nvSpPr>
-        <p:spPr>
-          <a:xfrm>
-            <a:off x="1039456" y="1964724"/>
-            <a:ext cx="13040439" cy="7982465"/>
-          </a:xfrm>
-        </p:spPr>
-        <p:txBody>
-          <a:bodyPr>
-            <a:normAutofit fontScale="77500" lnSpcReduction="20000"/>
-          </a:bodyPr>
-          <a:lstStyle/>
-          <a:p>
-            <a:r>
-              <a:rPr lang="fr-FR" dirty="0">
-                <a:solidFill>
-                  <a:schemeClr val="accent1"/>
-                </a:solidFill>
-              </a:rPr>
-              <a:t>Objectif : </a:t>
-            </a:r>
-            <a:r>
-              <a:rPr lang="fr-FR" dirty="0"/>
-              <a:t>Etudier les différents aspects de l'intégration du SQL dans les langages de programmation.</a:t>
-            </a:r>
-          </a:p>
-          <a:p>
-            <a:pPr marL="0" indent="0">
-              <a:buNone/>
-            </a:pPr>
-            <a:endParaRPr lang="fr-FR" dirty="0"/>
-          </a:p>
-          <a:p>
-            <a:r>
-              <a:rPr lang="fr-FR" dirty="0">
-                <a:solidFill>
-                  <a:schemeClr val="accent1"/>
-                </a:solidFill>
-              </a:rPr>
-              <a:t>Compétence ciblée </a:t>
-            </a:r>
-            <a:r>
-              <a:rPr lang="fr-FR" dirty="0"/>
-              <a:t>: Concevoir, gérer et administrer et exploiter les données de l'entreprise, et mettre à disposition toutes les informations pour un bon pilotage de l'entreprise.</a:t>
-            </a:r>
-          </a:p>
-          <a:p>
-            <a:endParaRPr lang="fr-FR" dirty="0"/>
-          </a:p>
-          <a:p>
-            <a:r>
-              <a:rPr lang="fr-FR" dirty="0">
-                <a:solidFill>
-                  <a:schemeClr val="accent1"/>
-                </a:solidFill>
-              </a:rPr>
-              <a:t>Chapitres</a:t>
-            </a:r>
-            <a:r>
-              <a:rPr lang="fr-FR" dirty="0"/>
-              <a:t> :</a:t>
-            </a:r>
-          </a:p>
-          <a:p>
-            <a:pPr lvl="1"/>
-            <a:r>
-              <a:rPr lang="fr-FR" dirty="0"/>
-              <a:t>Rappels de SQL </a:t>
-            </a:r>
-          </a:p>
-          <a:p>
-            <a:pPr lvl="1"/>
-            <a:r>
-              <a:rPr lang="fr-FR" dirty="0"/>
-              <a:t>SQL intégré dans un langage de programmation (PL/</a:t>
-            </a:r>
-            <a:r>
-              <a:rPr lang="fr-FR" dirty="0" err="1"/>
-              <a:t>pgSQL</a:t>
-            </a:r>
-            <a:r>
-              <a:rPr lang="fr-FR" dirty="0"/>
-              <a:t>) : procédures, curseurs, et triggers</a:t>
-            </a:r>
-          </a:p>
-          <a:p>
-            <a:pPr lvl="1"/>
-            <a:r>
-              <a:rPr lang="fr-FR" dirty="0"/>
-              <a:t>Contraindre les données</a:t>
-            </a:r>
-          </a:p>
-          <a:p>
-            <a:pPr lvl="1"/>
-            <a:r>
-              <a:rPr lang="fr-FR" dirty="0"/>
-              <a:t>Contrôler les transactions</a:t>
-            </a:r>
-          </a:p>
-          <a:p>
-            <a:pPr marL="712775" lvl="1" indent="0">
-              <a:buNone/>
-            </a:pPr>
-            <a:endParaRPr lang="fr-FR" dirty="0"/>
-          </a:p>
-          <a:p>
-            <a:r>
-              <a:rPr lang="fr-FR" dirty="0">
-                <a:solidFill>
-                  <a:schemeClr val="accent1"/>
-                </a:solidFill>
-              </a:rPr>
-              <a:t>Volume horaire : </a:t>
-            </a:r>
-            <a:r>
-              <a:rPr lang="fr-FR" dirty="0"/>
-              <a:t>24 h ( 14 CM/TD  et 10 h TP)</a:t>
-            </a:r>
-          </a:p>
-          <a:p>
-            <a:endParaRPr lang="fr-FR" dirty="0"/>
-          </a:p>
-          <a:p>
-            <a:r>
-              <a:rPr lang="fr-FR" dirty="0">
-                <a:solidFill>
-                  <a:schemeClr val="accent1"/>
-                </a:solidFill>
-              </a:rPr>
-              <a:t>Evaluation : </a:t>
-            </a:r>
-          </a:p>
-          <a:p>
-            <a:pPr lvl="1"/>
-            <a:r>
-              <a:rPr lang="fr-FR" dirty="0">
-                <a:solidFill>
-                  <a:schemeClr val="accent1"/>
-                </a:solidFill>
-              </a:rPr>
-              <a:t>CC1 – évaluation intermédiaire (</a:t>
-            </a:r>
-            <a:r>
-              <a:rPr lang="fr-FR" dirty="0" err="1">
-                <a:solidFill>
-                  <a:schemeClr val="accent1"/>
-                </a:solidFill>
-              </a:rPr>
-              <a:t>coeff</a:t>
-            </a:r>
-            <a:r>
-              <a:rPr lang="fr-FR" dirty="0">
-                <a:solidFill>
-                  <a:schemeClr val="accent1"/>
-                </a:solidFill>
-              </a:rPr>
-              <a:t>. 1)</a:t>
-            </a:r>
-          </a:p>
-          <a:p>
-            <a:pPr lvl="2"/>
-            <a:r>
-              <a:rPr lang="fr-FR" sz="2600" dirty="0"/>
-              <a:t>Évaluation individuelle sous la forme d'un QCM </a:t>
-            </a:r>
-            <a:r>
-              <a:rPr lang="fr-FR" sz="2600" dirty="0" err="1"/>
-              <a:t>Ametice</a:t>
-            </a:r>
-            <a:r>
-              <a:rPr lang="fr-FR" sz="2600" dirty="0"/>
-              <a:t> à faire sur machine (1h)</a:t>
-            </a:r>
-          </a:p>
-          <a:p>
-            <a:pPr lvl="2"/>
-            <a:r>
-              <a:rPr lang="fr-FR" sz="2600" dirty="0"/>
-              <a:t> Notions abordées : SQL, PL/</a:t>
-            </a:r>
-            <a:r>
-              <a:rPr lang="fr-FR" sz="2600" dirty="0" err="1"/>
-              <a:t>pgSQL</a:t>
-            </a:r>
-            <a:r>
-              <a:rPr lang="fr-FR" sz="2600" dirty="0"/>
-              <a:t>, Contraintes</a:t>
-            </a:r>
-          </a:p>
-          <a:p>
-            <a:pPr lvl="1"/>
-            <a:r>
-              <a:rPr lang="fr-FR" dirty="0">
-                <a:solidFill>
-                  <a:schemeClr val="accent1"/>
-                </a:solidFill>
-              </a:rPr>
-              <a:t>CC2 – évaluation finale (</a:t>
-            </a:r>
-            <a:r>
-              <a:rPr lang="fr-FR" dirty="0" err="1">
-                <a:solidFill>
-                  <a:schemeClr val="accent1"/>
-                </a:solidFill>
-              </a:rPr>
-              <a:t>coeff</a:t>
-            </a:r>
-            <a:r>
-              <a:rPr lang="fr-FR" dirty="0">
-                <a:solidFill>
-                  <a:schemeClr val="accent1"/>
-                </a:solidFill>
-              </a:rPr>
-              <a:t>. 2)</a:t>
-            </a:r>
-          </a:p>
-          <a:p>
-            <a:pPr lvl="2"/>
-            <a:r>
-              <a:rPr lang="fr-FR" dirty="0"/>
-              <a:t>Évaluation individuelle sur « papier » (1h30 et 2h avec tiers temps)</a:t>
-            </a:r>
-          </a:p>
-          <a:p>
-            <a:pPr lvl="2"/>
-            <a:r>
-              <a:rPr lang="fr-FR" dirty="0"/>
-              <a:t> Notions abordées : tout le cours</a:t>
-            </a:r>
-          </a:p>
-        </p:txBody>
-      </p:sp>
-      <p:sp>
-        <p:nvSpPr>
-          <p:cNvPr id="4" name="Espace réservé du numéro de diapositive 3">
-            <a:extLst>
-              <a:ext uri="{FF2B5EF4-FFF2-40B4-BE49-F238E27FC236}">
-                <a16:creationId xmlns:a16="http://schemas.microsoft.com/office/drawing/2014/main" id="{8F537224-50CA-D23C-2AFD-A8BAB98AE8CF}"/>
-              </a:ext>
-            </a:extLst>
-          </p:cNvPr>
-          <p:cNvSpPr>
-            <a:spLocks noGrp="1"/>
-          </p:cNvSpPr>
-          <p:nvPr>
-            <p:ph type="sldNum" sz="quarter" idx="4"/>
-          </p:nvPr>
-        </p:nvSpPr>
-        <p:spPr/>
-        <p:txBody>
-          <a:bodyPr/>
-          <a:lstStyle/>
-          <a:p>
-            <a:fld id="{07FD495B-34DE-4A24-B954-24CB817164A8}" type="slidenum">
-              <a:rPr lang="fr-FR" smtClean="0"/>
-              <a:pPr/>
-              <a:t>2</a:t>
-            </a:fld>
-            <a:endParaRPr lang="fr-FR" dirty="0"/>
-          </a:p>
-        </p:txBody>
-      </p:sp>
-    </p:spTree>
-    <p:extLst>
-      <p:ext uri="{BB962C8B-B14F-4D97-AF65-F5344CB8AC3E}">
-        <p14:creationId xmlns:p14="http://schemas.microsoft.com/office/powerpoint/2010/main" val="2327011423"/>
-      </p:ext>
-    </p:extLst>
-  </p:cSld>
-  <p:clrMapOvr>
-    <a:masterClrMapping/>
-  </p:clrMapOvr>
-</p:sld>
-</file>
-
-<file path=ppt/slides/slide20.xml><?xml version="1.0" encoding="utf-8"?>
+<file path=ppt/slides/slide19.xml><?xml version="1.0" encoding="utf-8"?>
 <p:sld xmlns:a="http://schemas.openxmlformats.org/drawingml/2006/main" xmlns:r="http://schemas.openxmlformats.org/officeDocument/2006/relationships" xmlns:p="http://schemas.openxmlformats.org/presentationml/2006/main">
   <p:cSld>
     <p:spTree>
@@ -15509,8 +14305,8 @@
             <a:pPr eaLnBrk="1" hangingPunct="1"/>
             <a:fld id="{B717CBAD-AC6B-411C-85C1-25B06EA27F37}" type="slidenum">
               <a:rPr lang="fr-FR" altLang="fr-FR" smtClean="0"/>
-              <a:pPr/>
-              <a:t>20</a:t>
+              <a:pPr eaLnBrk="1" hangingPunct="1"/>
+              <a:t>19</a:t>
             </a:fld>
             <a:endParaRPr lang="fr-FR" altLang="fr-FR" sz="2183" dirty="0">
               <a:solidFill>
@@ -16308,7 +15104,342 @@
 </p:sld>
 </file>
 
-<file path=ppt/slides/slide21.xml><?xml version="1.0" encoding="utf-8"?>
+<file path=ppt/slides/slide2.xml><?xml version="1.0" encoding="utf-8"?>
+<p:sld xmlns:a="http://schemas.openxmlformats.org/drawingml/2006/main" xmlns:r="http://schemas.openxmlformats.org/officeDocument/2006/relationships" xmlns:p="http://schemas.openxmlformats.org/presentationml/2006/main">
+  <p:cSld>
+    <p:spTree>
+      <p:nvGrpSpPr>
+        <p:cNvPr id="1" name=""/>
+        <p:cNvGrpSpPr/>
+        <p:nvPr/>
+      </p:nvGrpSpPr>
+      <p:grpSpPr>
+        <a:xfrm>
+          <a:off x="0" y="0"/>
+          <a:ext cx="0" cy="0"/>
+          <a:chOff x="0" y="0"/>
+          <a:chExt cx="0" cy="0"/>
+        </a:xfrm>
+      </p:grpSpPr>
+      <p:sp>
+        <p:nvSpPr>
+          <p:cNvPr id="2" name="Titre 1">
+            <a:extLst>
+              <a:ext uri="{FF2B5EF4-FFF2-40B4-BE49-F238E27FC236}">
+                <a16:creationId xmlns:a16="http://schemas.microsoft.com/office/drawing/2014/main" id="{17A8D31F-8EFF-5FD4-A161-B593F31EB30B}"/>
+              </a:ext>
+            </a:extLst>
+          </p:cNvPr>
+          <p:cNvSpPr>
+            <a:spLocks noGrp="1"/>
+          </p:cNvSpPr>
+          <p:nvPr>
+            <p:ph type="title"/>
+          </p:nvPr>
+        </p:nvSpPr>
+        <p:spPr/>
+        <p:txBody>
+          <a:bodyPr/>
+          <a:lstStyle/>
+          <a:p>
+            <a:r>
+              <a:rPr lang="fr-FR" dirty="0"/>
+              <a:t>Présentation de la ressource</a:t>
+            </a:r>
+          </a:p>
+        </p:txBody>
+      </p:sp>
+      <p:sp>
+        <p:nvSpPr>
+          <p:cNvPr id="3" name="Espace réservé du contenu 2">
+            <a:extLst>
+              <a:ext uri="{FF2B5EF4-FFF2-40B4-BE49-F238E27FC236}">
+                <a16:creationId xmlns:a16="http://schemas.microsoft.com/office/drawing/2014/main" id="{F6F2A63D-D580-092A-E53D-E4CBD9C24117}"/>
+              </a:ext>
+            </a:extLst>
+          </p:cNvPr>
+          <p:cNvSpPr>
+            <a:spLocks noGrp="1"/>
+          </p:cNvSpPr>
+          <p:nvPr>
+            <p:ph idx="1"/>
+          </p:nvPr>
+        </p:nvSpPr>
+        <p:spPr>
+          <a:xfrm>
+            <a:off x="1039456" y="1964724"/>
+            <a:ext cx="13040439" cy="7982465"/>
+          </a:xfrm>
+        </p:spPr>
+        <p:txBody>
+          <a:bodyPr>
+            <a:normAutofit fontScale="77500" lnSpcReduction="20000"/>
+          </a:bodyPr>
+          <a:lstStyle/>
+          <a:p>
+            <a:r>
+              <a:rPr lang="fr-FR" dirty="0">
+                <a:solidFill>
+                  <a:schemeClr val="accent1"/>
+                </a:solidFill>
+              </a:rPr>
+              <a:t>Objectif : </a:t>
+            </a:r>
+            <a:r>
+              <a:rPr lang="fr-FR" dirty="0"/>
+              <a:t>Etudier les différents aspects de l'intégration du SQL dans les langages de programmation.</a:t>
+            </a:r>
+          </a:p>
+          <a:p>
+            <a:pPr marL="0" indent="0">
+              <a:buNone/>
+            </a:pPr>
+            <a:endParaRPr lang="fr-FR" dirty="0"/>
+          </a:p>
+          <a:p>
+            <a:r>
+              <a:rPr lang="fr-FR" dirty="0">
+                <a:solidFill>
+                  <a:schemeClr val="accent1"/>
+                </a:solidFill>
+              </a:rPr>
+              <a:t>Compétence ciblée </a:t>
+            </a:r>
+            <a:r>
+              <a:rPr lang="fr-FR" dirty="0"/>
+              <a:t>: Concevoir, gérer et administrer et exploiter les données de l'entreprise, et mettre à disposition toutes les informations pour un bon pilotage de l'entreprise.</a:t>
+            </a:r>
+          </a:p>
+          <a:p>
+            <a:endParaRPr lang="fr-FR" dirty="0"/>
+          </a:p>
+          <a:p>
+            <a:r>
+              <a:rPr lang="fr-FR" dirty="0">
+                <a:solidFill>
+                  <a:schemeClr val="accent1"/>
+                </a:solidFill>
+              </a:rPr>
+              <a:t>Chapitres</a:t>
+            </a:r>
+            <a:r>
+              <a:rPr lang="fr-FR" dirty="0"/>
+              <a:t> :</a:t>
+            </a:r>
+          </a:p>
+          <a:p>
+            <a:pPr lvl="1"/>
+            <a:r>
+              <a:rPr lang="fr-FR" dirty="0"/>
+              <a:t>Rappels de SQL </a:t>
+            </a:r>
+          </a:p>
+          <a:p>
+            <a:pPr lvl="1"/>
+            <a:r>
+              <a:rPr lang="fr-FR" dirty="0"/>
+              <a:t>SQL intégré dans un langage de programmation (PL/</a:t>
+            </a:r>
+            <a:r>
+              <a:rPr lang="fr-FR" dirty="0" err="1"/>
+              <a:t>pgSQL</a:t>
+            </a:r>
+            <a:r>
+              <a:rPr lang="fr-FR" dirty="0"/>
+              <a:t>) : procédures, curseurs, et triggers</a:t>
+            </a:r>
+          </a:p>
+          <a:p>
+            <a:pPr lvl="1"/>
+            <a:r>
+              <a:rPr lang="fr-FR" dirty="0"/>
+              <a:t>Contraindre les données</a:t>
+            </a:r>
+          </a:p>
+          <a:p>
+            <a:pPr lvl="1"/>
+            <a:r>
+              <a:rPr lang="fr-FR" dirty="0"/>
+              <a:t>Contrôler les transactions</a:t>
+            </a:r>
+          </a:p>
+          <a:p>
+            <a:pPr marL="712775" lvl="1" indent="0">
+              <a:buNone/>
+            </a:pPr>
+            <a:endParaRPr lang="fr-FR" dirty="0"/>
+          </a:p>
+          <a:p>
+            <a:r>
+              <a:rPr lang="fr-FR" dirty="0">
+                <a:solidFill>
+                  <a:schemeClr val="accent1"/>
+                </a:solidFill>
+              </a:rPr>
+              <a:t>Volume horaire : </a:t>
+            </a:r>
+            <a:r>
+              <a:rPr lang="fr-FR" dirty="0"/>
+              <a:t>24 h ( 14 CM/TD  et 10 h TP)</a:t>
+            </a:r>
+          </a:p>
+          <a:p>
+            <a:endParaRPr lang="fr-FR" dirty="0"/>
+          </a:p>
+          <a:p>
+            <a:r>
+              <a:rPr lang="fr-FR" dirty="0">
+                <a:solidFill>
+                  <a:schemeClr val="accent1"/>
+                </a:solidFill>
+              </a:rPr>
+              <a:t>Evaluation : </a:t>
+            </a:r>
+          </a:p>
+          <a:p>
+            <a:pPr lvl="1"/>
+            <a:r>
+              <a:rPr lang="fr-FR" dirty="0">
+                <a:solidFill>
+                  <a:schemeClr val="accent1"/>
+                </a:solidFill>
+              </a:rPr>
+              <a:t>CC1 – évaluation intermédiaire (</a:t>
+            </a:r>
+            <a:r>
+              <a:rPr lang="fr-FR" dirty="0" err="1">
+                <a:solidFill>
+                  <a:schemeClr val="accent1"/>
+                </a:solidFill>
+              </a:rPr>
+              <a:t>coeff</a:t>
+            </a:r>
+            <a:r>
+              <a:rPr lang="fr-FR" dirty="0">
+                <a:solidFill>
+                  <a:schemeClr val="accent1"/>
+                </a:solidFill>
+              </a:rPr>
+              <a:t>. 1)</a:t>
+            </a:r>
+          </a:p>
+          <a:p>
+            <a:pPr lvl="2"/>
+            <a:r>
+              <a:rPr lang="fr-FR" sz="2600" dirty="0"/>
+              <a:t>Évaluation individuelle sous la forme d'un QCM </a:t>
+            </a:r>
+            <a:r>
+              <a:rPr lang="fr-FR" sz="2600" dirty="0" err="1"/>
+              <a:t>Ametice</a:t>
+            </a:r>
+            <a:r>
+              <a:rPr lang="fr-FR" sz="2600" dirty="0"/>
+              <a:t> à faire sur machine (1h)</a:t>
+            </a:r>
+          </a:p>
+          <a:p>
+            <a:pPr lvl="2"/>
+            <a:r>
+              <a:rPr lang="fr-FR" sz="2600" dirty="0"/>
+              <a:t> Notions abordées : SQL, PL/</a:t>
+            </a:r>
+            <a:r>
+              <a:rPr lang="fr-FR" sz="2600" dirty="0" err="1"/>
+              <a:t>pgSQL</a:t>
+            </a:r>
+            <a:r>
+              <a:rPr lang="fr-FR" sz="2600" dirty="0"/>
+              <a:t>, Contraintes</a:t>
+            </a:r>
+          </a:p>
+          <a:p>
+            <a:pPr lvl="1"/>
+            <a:r>
+              <a:rPr lang="fr-FR" dirty="0">
+                <a:solidFill>
+                  <a:schemeClr val="accent1"/>
+                </a:solidFill>
+              </a:rPr>
+              <a:t>CC2 – évaluation finale (</a:t>
+            </a:r>
+            <a:r>
+              <a:rPr lang="fr-FR" dirty="0" err="1">
+                <a:solidFill>
+                  <a:schemeClr val="accent1"/>
+                </a:solidFill>
+              </a:rPr>
+              <a:t>coeff</a:t>
+            </a:r>
+            <a:r>
+              <a:rPr lang="fr-FR" dirty="0">
+                <a:solidFill>
+                  <a:schemeClr val="accent1"/>
+                </a:solidFill>
+              </a:rPr>
+              <a:t>. 2)</a:t>
+            </a:r>
+          </a:p>
+          <a:p>
+            <a:pPr lvl="2"/>
+            <a:r>
+              <a:rPr lang="fr-FR" dirty="0"/>
+              <a:t>Évaluation individuelle sur « papier » (1h30 et 2h avec tiers temps)</a:t>
+            </a:r>
+          </a:p>
+          <a:p>
+            <a:pPr lvl="2"/>
+            <a:r>
+              <a:rPr lang="fr-FR" dirty="0"/>
+              <a:t> Notions abordées : tout le cours</a:t>
+            </a:r>
+          </a:p>
+        </p:txBody>
+      </p:sp>
+      <p:sp>
+        <p:nvSpPr>
+          <p:cNvPr id="4" name="Espace réservé du numéro de diapositive 3">
+            <a:extLst>
+              <a:ext uri="{FF2B5EF4-FFF2-40B4-BE49-F238E27FC236}">
+                <a16:creationId xmlns:a16="http://schemas.microsoft.com/office/drawing/2014/main" id="{8F537224-50CA-D23C-2AFD-A8BAB98AE8CF}"/>
+              </a:ext>
+            </a:extLst>
+          </p:cNvPr>
+          <p:cNvSpPr>
+            <a:spLocks noGrp="1"/>
+          </p:cNvSpPr>
+          <p:nvPr>
+            <p:ph type="sldNum" sz="quarter" idx="4"/>
+          </p:nvPr>
+        </p:nvSpPr>
+        <p:spPr/>
+        <p:txBody>
+          <a:bodyPr/>
+          <a:lstStyle/>
+          <a:p>
+            <a:fld id="{07FD495B-34DE-4A24-B954-24CB817164A8}" type="slidenum">
+              <a:rPr lang="fr-FR" smtClean="0"/>
+              <a:pPr/>
+              <a:t>2</a:t>
+            </a:fld>
+            <a:endParaRPr lang="fr-FR" dirty="0"/>
+          </a:p>
+        </p:txBody>
+      </p:sp>
+    </p:spTree>
+    <p:extLst>
+      <p:ext uri="{BB962C8B-B14F-4D97-AF65-F5344CB8AC3E}">
+        <p14:creationId xmlns:p14="http://schemas.microsoft.com/office/powerpoint/2010/main" val="2327011423"/>
+      </p:ext>
+    </p:extLst>
+  </p:cSld>
+  <p:clrMapOvr>
+    <a:masterClrMapping/>
+  </p:clrMapOvr>
+</p:sld>
+</file>
+
+<file path=ppt/slides/slide20.xml><?xml version="1.0" encoding="utf-8"?>
 <p:sld xmlns:a="http://schemas.openxmlformats.org/drawingml/2006/main" xmlns:r="http://schemas.openxmlformats.org/officeDocument/2006/relationships" xmlns:p="http://schemas.openxmlformats.org/presentationml/2006/main">
   <p:cSld>
     <p:spTree>
@@ -16806,8 +15937,8 @@
             <a:pPr eaLnBrk="1" hangingPunct="1"/>
             <a:fld id="{B717CBAD-AC6B-411C-85C1-25B06EA27F37}" type="slidenum">
               <a:rPr lang="fr-FR" altLang="fr-FR" smtClean="0"/>
-              <a:pPr/>
-              <a:t>21</a:t>
+              <a:pPr eaLnBrk="1" hangingPunct="1"/>
+              <a:t>20</a:t>
             </a:fld>
             <a:endParaRPr lang="en-US" altLang="fr-FR" sz="2183" dirty="0">
               <a:solidFill>
@@ -16826,7 +15957,7 @@
 </p:sld>
 </file>
 
-<file path=ppt/slides/slide22.xml><?xml version="1.0" encoding="utf-8"?>
+<file path=ppt/slides/slide21.xml><?xml version="1.0" encoding="utf-8"?>
 <p:sld xmlns:a="http://schemas.openxmlformats.org/drawingml/2006/main" xmlns:r="http://schemas.openxmlformats.org/officeDocument/2006/relationships" xmlns:p="http://schemas.openxmlformats.org/presentationml/2006/main">
   <p:cSld>
     <p:spTree>
@@ -17167,8 +16298,8 @@
             <a:pPr eaLnBrk="1" hangingPunct="1"/>
             <a:fld id="{B717CBAD-AC6B-411C-85C1-25B06EA27F37}" type="slidenum">
               <a:rPr lang="fr-FR" altLang="fr-FR" smtClean="0"/>
-              <a:pPr/>
-              <a:t>22</a:t>
+              <a:pPr eaLnBrk="1" hangingPunct="1"/>
+              <a:t>21</a:t>
             </a:fld>
             <a:endParaRPr lang="en-US" altLang="fr-FR" sz="2183" dirty="0">
               <a:solidFill>
@@ -17187,7 +16318,7 @@
 </p:sld>
 </file>
 
-<file path=ppt/slides/slide23.xml><?xml version="1.0" encoding="utf-8"?>
+<file path=ppt/slides/slide22.xml><?xml version="1.0" encoding="utf-8"?>
 <p:sld xmlns:a="http://schemas.openxmlformats.org/drawingml/2006/main" xmlns:r="http://schemas.openxmlformats.org/officeDocument/2006/relationships" xmlns:p="http://schemas.openxmlformats.org/presentationml/2006/main">
   <p:cSld>
     <p:spTree>
@@ -17783,8 +16914,8 @@
             <a:pPr eaLnBrk="1" hangingPunct="1"/>
             <a:fld id="{B717CBAD-AC6B-411C-85C1-25B06EA27F37}" type="slidenum">
               <a:rPr lang="fr-FR" altLang="fr-FR" smtClean="0"/>
-              <a:pPr/>
-              <a:t>23</a:t>
+              <a:pPr eaLnBrk="1" hangingPunct="1"/>
+              <a:t>22</a:t>
             </a:fld>
             <a:endParaRPr lang="fr-FR" altLang="fr-FR" sz="2183">
               <a:solidFill>
@@ -18249,7 +17380,7 @@
 </p:sld>
 </file>
 
-<file path=ppt/slides/slide24.xml><?xml version="1.0" encoding="utf-8"?>
+<file path=ppt/slides/slide23.xml><?xml version="1.0" encoding="utf-8"?>
 <p:sld xmlns:a="http://schemas.openxmlformats.org/drawingml/2006/main" xmlns:r="http://schemas.openxmlformats.org/officeDocument/2006/relationships" xmlns:p="http://schemas.openxmlformats.org/presentationml/2006/main">
   <p:cSld>
     <p:spTree>
@@ -18563,8 +17694,8 @@
             <a:pPr eaLnBrk="1" hangingPunct="1"/>
             <a:fld id="{B717CBAD-AC6B-411C-85C1-25B06EA27F37}" type="slidenum">
               <a:rPr lang="fr-FR" altLang="fr-FR" smtClean="0"/>
-              <a:pPr/>
-              <a:t>24</a:t>
+              <a:pPr eaLnBrk="1" hangingPunct="1"/>
+              <a:t>23</a:t>
             </a:fld>
             <a:endParaRPr lang="en-US" altLang="fr-FR" sz="2183">
               <a:solidFill>
@@ -18583,7 +17714,7 @@
 </p:sld>
 </file>
 
-<file path=ppt/slides/slide25.xml><?xml version="1.0" encoding="utf-8"?>
+<file path=ppt/slides/slide24.xml><?xml version="1.0" encoding="utf-8"?>
 <p:sld xmlns:a="http://schemas.openxmlformats.org/drawingml/2006/main" xmlns:r="http://schemas.openxmlformats.org/officeDocument/2006/relationships" xmlns:p="http://schemas.openxmlformats.org/presentationml/2006/main" showMasterPhAnim="0">
   <p:cSld>
     <p:spTree>
@@ -18960,8 +18091,8 @@
             <a:pPr eaLnBrk="1" hangingPunct="1"/>
             <a:fld id="{B717CBAD-AC6B-411C-85C1-25B06EA27F37}" type="slidenum">
               <a:rPr lang="fr-FR" altLang="fr-FR" smtClean="0"/>
-              <a:pPr/>
-              <a:t>25</a:t>
+              <a:pPr eaLnBrk="1" hangingPunct="1"/>
+              <a:t>24</a:t>
             </a:fld>
             <a:endParaRPr lang="fr-FR" altLang="fr-FR" sz="2183" dirty="0">
               <a:solidFill>
@@ -19258,7 +18389,7 @@
 </p:sld>
 </file>
 
-<file path=ppt/slides/slide26.xml><?xml version="1.0" encoding="utf-8"?>
+<file path=ppt/slides/slide25.xml><?xml version="1.0" encoding="utf-8"?>
 <p:sld xmlns:a="http://schemas.openxmlformats.org/drawingml/2006/main" xmlns:r="http://schemas.openxmlformats.org/officeDocument/2006/relationships" xmlns:p="http://schemas.openxmlformats.org/presentationml/2006/main">
   <p:cSld>
     <p:spTree>
@@ -19663,8 +18794,8 @@
             <a:pPr eaLnBrk="1" hangingPunct="1"/>
             <a:fld id="{B717CBAD-AC6B-411C-85C1-25B06EA27F37}" type="slidenum">
               <a:rPr lang="fr-FR" altLang="fr-FR" smtClean="0"/>
-              <a:pPr/>
-              <a:t>26</a:t>
+              <a:pPr eaLnBrk="1" hangingPunct="1"/>
+              <a:t>25</a:t>
             </a:fld>
             <a:endParaRPr lang="fr-FR" altLang="fr-FR" sz="2183" dirty="0">
               <a:solidFill>
@@ -19853,7 +18984,7 @@
 </p:sld>
 </file>
 
-<file path=ppt/slides/slide27.xml><?xml version="1.0" encoding="utf-8"?>
+<file path=ppt/slides/slide26.xml><?xml version="1.0" encoding="utf-8"?>
 <p:sld xmlns:a="http://schemas.openxmlformats.org/drawingml/2006/main" xmlns:r="http://schemas.openxmlformats.org/officeDocument/2006/relationships" xmlns:p="http://schemas.openxmlformats.org/presentationml/2006/main">
   <p:cSld>
     <p:spTree>
@@ -20056,8 +19187,8 @@
             <a:pPr eaLnBrk="1" hangingPunct="1"/>
             <a:fld id="{B717CBAD-AC6B-411C-85C1-25B06EA27F37}" type="slidenum">
               <a:rPr lang="fr-FR" altLang="fr-FR" smtClean="0"/>
-              <a:pPr/>
-              <a:t>27</a:t>
+              <a:pPr eaLnBrk="1" hangingPunct="1"/>
+              <a:t>26</a:t>
             </a:fld>
             <a:endParaRPr lang="en-US" altLang="fr-FR" sz="2183">
               <a:solidFill>
@@ -20840,7 +19971,7 @@
 </p:sld>
 </file>
 
-<file path=ppt/slides/slide28.xml><?xml version="1.0" encoding="utf-8"?>
+<file path=ppt/slides/slide27.xml><?xml version="1.0" encoding="utf-8"?>
 <p:sld xmlns:a="http://schemas.openxmlformats.org/drawingml/2006/main" xmlns:r="http://schemas.openxmlformats.org/officeDocument/2006/relationships" xmlns:p="http://schemas.openxmlformats.org/presentationml/2006/main">
   <p:cSld>
     <p:spTree>
@@ -21225,8 +20356,8 @@
             <a:pPr eaLnBrk="1" hangingPunct="1"/>
             <a:fld id="{B717CBAD-AC6B-411C-85C1-25B06EA27F37}" type="slidenum">
               <a:rPr lang="fr-FR" altLang="fr-FR" smtClean="0"/>
-              <a:pPr/>
-              <a:t>28</a:t>
+              <a:pPr eaLnBrk="1" hangingPunct="1"/>
+              <a:t>27</a:t>
             </a:fld>
             <a:endParaRPr lang="en-US" altLang="fr-FR" sz="2183">
               <a:solidFill>
@@ -21245,7 +20376,7 @@
 </p:sld>
 </file>
 
-<file path=ppt/slides/slide29.xml><?xml version="1.0" encoding="utf-8"?>
+<file path=ppt/slides/slide28.xml><?xml version="1.0" encoding="utf-8"?>
 <p:sld xmlns:a="http://schemas.openxmlformats.org/drawingml/2006/main" xmlns:r="http://schemas.openxmlformats.org/officeDocument/2006/relationships" xmlns:p="http://schemas.openxmlformats.org/presentationml/2006/main">
   <p:cSld>
     <p:spTree>
@@ -21557,8 +20688,8 @@
             <a:pPr eaLnBrk="1" hangingPunct="1"/>
             <a:fld id="{B717CBAD-AC6B-411C-85C1-25B06EA27F37}" type="slidenum">
               <a:rPr lang="fr-FR" altLang="fr-FR" smtClean="0"/>
-              <a:pPr/>
-              <a:t>29</a:t>
+              <a:pPr eaLnBrk="1" hangingPunct="1"/>
+              <a:t>28</a:t>
             </a:fld>
             <a:endParaRPr lang="en-US" altLang="fr-FR" sz="2183">
               <a:solidFill>
@@ -22403,135 +21534,7 @@
 </p:sld>
 </file>
 
-<file path=ppt/slides/slide3.xml><?xml version="1.0" encoding="utf-8"?>
-<p:sld xmlns:a="http://schemas.openxmlformats.org/drawingml/2006/main" xmlns:r="http://schemas.openxmlformats.org/officeDocument/2006/relationships" xmlns:p="http://schemas.openxmlformats.org/presentationml/2006/main">
-  <p:cSld>
-    <p:spTree>
-      <p:nvGrpSpPr>
-        <p:cNvPr id="1" name=""/>
-        <p:cNvGrpSpPr/>
-        <p:nvPr/>
-      </p:nvGrpSpPr>
-      <p:grpSpPr>
-        <a:xfrm>
-          <a:off x="0" y="0"/>
-          <a:ext cx="0" cy="0"/>
-          <a:chOff x="0" y="0"/>
-          <a:chExt cx="0" cy="0"/>
-        </a:xfrm>
-      </p:grpSpPr>
-      <p:sp>
-        <p:nvSpPr>
-          <p:cNvPr id="2" name="Titre 1">
-            <a:extLst>
-              <a:ext uri="{FF2B5EF4-FFF2-40B4-BE49-F238E27FC236}">
-                <a16:creationId xmlns:a16="http://schemas.microsoft.com/office/drawing/2014/main" id="{8EFB7744-B408-2EF7-FFA1-2F9D007332A3}"/>
-              </a:ext>
-            </a:extLst>
-          </p:cNvPr>
-          <p:cNvSpPr>
-            <a:spLocks noGrp="1"/>
-          </p:cNvSpPr>
-          <p:nvPr>
-            <p:ph type="title"/>
-          </p:nvPr>
-        </p:nvSpPr>
-        <p:spPr/>
-        <p:txBody>
-          <a:bodyPr/>
-          <a:lstStyle/>
-          <a:p>
-            <a:r>
-              <a:rPr lang="fr-FR" dirty="0"/>
-              <a:t>Références bibliographiques</a:t>
-            </a:r>
-          </a:p>
-        </p:txBody>
-      </p:sp>
-      <p:sp>
-        <p:nvSpPr>
-          <p:cNvPr id="3" name="Espace réservé du contenu 2">
-            <a:extLst>
-              <a:ext uri="{FF2B5EF4-FFF2-40B4-BE49-F238E27FC236}">
-                <a16:creationId xmlns:a16="http://schemas.microsoft.com/office/drawing/2014/main" id="{86B06E8E-E429-DF24-4C88-930A664F059A}"/>
-              </a:ext>
-            </a:extLst>
-          </p:cNvPr>
-          <p:cNvSpPr>
-            <a:spLocks noGrp="1"/>
-          </p:cNvSpPr>
-          <p:nvPr>
-            <p:ph idx="1"/>
-          </p:nvPr>
-        </p:nvSpPr>
-        <p:spPr/>
-        <p:txBody>
-          <a:bodyPr/>
-          <a:lstStyle/>
-          <a:p>
-            <a:r>
-              <a:rPr lang="fr-FR" dirty="0"/>
-              <a:t> </a:t>
-            </a:r>
-          </a:p>
-          <a:p>
-            <a:endParaRPr lang="fr-FR" dirty="0"/>
-          </a:p>
-          <a:p>
-            <a:endParaRPr lang="fr-FR" dirty="0"/>
-          </a:p>
-          <a:p>
-            <a:endParaRPr lang="fr-FR" dirty="0"/>
-          </a:p>
-          <a:p>
-            <a:endParaRPr lang="fr-FR" dirty="0"/>
-          </a:p>
-        </p:txBody>
-      </p:sp>
-      <p:sp>
-        <p:nvSpPr>
-          <p:cNvPr id="4" name="Espace réservé du numéro de diapositive 3">
-            <a:extLst>
-              <a:ext uri="{FF2B5EF4-FFF2-40B4-BE49-F238E27FC236}">
-                <a16:creationId xmlns:a16="http://schemas.microsoft.com/office/drawing/2014/main" id="{F90A5A13-EC6C-A2E1-AEEB-E8489E41C851}"/>
-              </a:ext>
-            </a:extLst>
-          </p:cNvPr>
-          <p:cNvSpPr>
-            <a:spLocks noGrp="1"/>
-          </p:cNvSpPr>
-          <p:nvPr>
-            <p:ph type="sldNum" sz="quarter" idx="4"/>
-          </p:nvPr>
-        </p:nvSpPr>
-        <p:spPr/>
-        <p:txBody>
-          <a:bodyPr/>
-          <a:lstStyle/>
-          <a:p>
-            <a:fld id="{07FD495B-34DE-4A24-B954-24CB817164A8}" type="slidenum">
-              <a:rPr lang="fr-FR" smtClean="0"/>
-              <a:pPr/>
-              <a:t>3</a:t>
-            </a:fld>
-            <a:endParaRPr lang="fr-FR" dirty="0"/>
-          </a:p>
-        </p:txBody>
-      </p:sp>
-    </p:spTree>
-    <p:extLst>
-      <p:ext uri="{BB962C8B-B14F-4D97-AF65-F5344CB8AC3E}">
-        <p14:creationId xmlns:p14="http://schemas.microsoft.com/office/powerpoint/2010/main" val="1274936004"/>
-      </p:ext>
-    </p:extLst>
-  </p:cSld>
-  <p:clrMapOvr>
-    <a:masterClrMapping/>
-  </p:clrMapOvr>
-</p:sld>
-</file>
-
-<file path=ppt/slides/slide30.xml><?xml version="1.0" encoding="utf-8"?>
+<file path=ppt/slides/slide29.xml><?xml version="1.0" encoding="utf-8"?>
 <p:sld xmlns:a="http://schemas.openxmlformats.org/drawingml/2006/main" xmlns:r="http://schemas.openxmlformats.org/officeDocument/2006/relationships" xmlns:p="http://schemas.openxmlformats.org/presentationml/2006/main">
   <p:cSld>
     <p:spTree>
@@ -22906,8 +21909,8 @@
             <a:pPr eaLnBrk="1" hangingPunct="1"/>
             <a:fld id="{B717CBAD-AC6B-411C-85C1-25B06EA27F37}" type="slidenum">
               <a:rPr lang="fr-FR" altLang="fr-FR" smtClean="0"/>
-              <a:pPr/>
-              <a:t>30</a:t>
+              <a:pPr eaLnBrk="1" hangingPunct="1"/>
+              <a:t>29</a:t>
             </a:fld>
             <a:endParaRPr lang="en-US" altLang="fr-FR" sz="2183">
               <a:solidFill>
@@ -22926,7 +21929,176 @@
 </p:sld>
 </file>
 
-<file path=ppt/slides/slide31.xml><?xml version="1.0" encoding="utf-8"?>
+<file path=ppt/slides/slide3.xml><?xml version="1.0" encoding="utf-8"?>
+<p:sld xmlns:a="http://schemas.openxmlformats.org/drawingml/2006/main" xmlns:r="http://schemas.openxmlformats.org/officeDocument/2006/relationships" xmlns:p="http://schemas.openxmlformats.org/presentationml/2006/main">
+  <p:cSld>
+    <p:spTree>
+      <p:nvGrpSpPr>
+        <p:cNvPr id="1" name=""/>
+        <p:cNvGrpSpPr/>
+        <p:nvPr/>
+      </p:nvGrpSpPr>
+      <p:grpSpPr>
+        <a:xfrm>
+          <a:off x="0" y="0"/>
+          <a:ext cx="0" cy="0"/>
+          <a:chOff x="0" y="0"/>
+          <a:chExt cx="0" cy="0"/>
+        </a:xfrm>
+      </p:grpSpPr>
+      <p:sp>
+        <p:nvSpPr>
+          <p:cNvPr id="4" name="Titre 3">
+            <a:extLst>
+              <a:ext uri="{FF2B5EF4-FFF2-40B4-BE49-F238E27FC236}">
+                <a16:creationId xmlns:a16="http://schemas.microsoft.com/office/drawing/2014/main" id="{0DC66ED0-5AC6-79BD-57D1-8C19FB116F61}"/>
+              </a:ext>
+            </a:extLst>
+          </p:cNvPr>
+          <p:cNvSpPr>
+            <a:spLocks noGrp="1"/>
+          </p:cNvSpPr>
+          <p:nvPr>
+            <p:ph type="title"/>
+          </p:nvPr>
+        </p:nvSpPr>
+        <p:spPr>
+          <a:xfrm>
+            <a:off x="460466" y="1680513"/>
+            <a:ext cx="14143808" cy="4468682"/>
+          </a:xfrm>
+        </p:spPr>
+        <p:txBody>
+          <a:bodyPr/>
+          <a:lstStyle/>
+          <a:p>
+            <a:r>
+              <a:rPr lang="fr-FR" dirty="0"/>
+              <a:t>Chapitre 0</a:t>
+            </a:r>
+            <a:br>
+              <a:rPr lang="fr-FR" dirty="0"/>
+            </a:br>
+            <a:r>
+              <a:rPr lang="fr-FR" dirty="0"/>
+              <a:t>Rappels</a:t>
+            </a:r>
+          </a:p>
+        </p:txBody>
+      </p:sp>
+      <p:sp>
+        <p:nvSpPr>
+          <p:cNvPr id="3" name="ZoneTexte 2">
+            <a:extLst>
+              <a:ext uri="{FF2B5EF4-FFF2-40B4-BE49-F238E27FC236}">
+                <a16:creationId xmlns:a16="http://schemas.microsoft.com/office/drawing/2014/main" id="{4AA628C3-AFFB-C21C-AE91-B4AA85399D14}"/>
+              </a:ext>
+            </a:extLst>
+          </p:cNvPr>
+          <p:cNvSpPr txBox="1"/>
+          <p:nvPr/>
+        </p:nvSpPr>
+        <p:spPr>
+          <a:xfrm>
+            <a:off x="460466" y="0"/>
+            <a:ext cx="14143808" cy="461665"/>
+          </a:xfrm>
+          <a:prstGeom prst="rect">
+            <a:avLst/>
+          </a:prstGeom>
+          <a:noFill/>
+        </p:spPr>
+        <p:txBody>
+          <a:bodyPr wrap="square">
+            <a:spAutoFit/>
+          </a:bodyPr>
+          <a:lstStyle/>
+          <a:p>
+            <a:pPr algn="ctr"/>
+            <a:r>
+              <a:rPr lang="fr-FR" sz="2400" b="1" dirty="0">
+                <a:solidFill>
+                  <a:srgbClr val="79132F"/>
+                </a:solidFill>
+              </a:rPr>
+              <a:t>R3.07 – SQL dans un langage de programmation</a:t>
+            </a:r>
+            <a:endParaRPr lang="fr-FR" sz="2400" dirty="0"/>
+          </a:p>
+        </p:txBody>
+      </p:sp>
+      <p:sp>
+        <p:nvSpPr>
+          <p:cNvPr id="5" name="ZoneTexte 4">
+            <a:extLst>
+              <a:ext uri="{FF2B5EF4-FFF2-40B4-BE49-F238E27FC236}">
+                <a16:creationId xmlns:a16="http://schemas.microsoft.com/office/drawing/2014/main" id="{9568AF0A-BECC-768B-E5E1-1E28492C1453}"/>
+              </a:ext>
+            </a:extLst>
+          </p:cNvPr>
+          <p:cNvSpPr txBox="1"/>
+          <p:nvPr/>
+        </p:nvSpPr>
+        <p:spPr>
+          <a:xfrm>
+            <a:off x="3211830" y="7170456"/>
+            <a:ext cx="8641080" cy="395173"/>
+          </a:xfrm>
+          <a:prstGeom prst="rect">
+            <a:avLst/>
+          </a:prstGeom>
+          <a:noFill/>
+        </p:spPr>
+        <p:txBody>
+          <a:bodyPr wrap="square">
+            <a:spAutoFit/>
+          </a:bodyPr>
+          <a:lstStyle/>
+          <a:p>
+            <a:pPr eaLnBrk="1" hangingPunct="1">
+              <a:lnSpc>
+                <a:spcPct val="80000"/>
+              </a:lnSpc>
+              <a:buFont typeface="Monotype Sorts" pitchFamily="125" charset="2"/>
+              <a:buNone/>
+            </a:pPr>
+            <a:r>
+              <a:rPr lang="fr-FR" altLang="fr-FR" sz="2400" dirty="0"/>
+              <a:t>(en partie dérivé du cours du Pr. Jeffrey </a:t>
+            </a:r>
+            <a:r>
+              <a:rPr lang="fr-FR" altLang="fr-FR" sz="2400" dirty="0" err="1"/>
+              <a:t>Ullman</a:t>
+            </a:r>
+            <a:r>
+              <a:rPr lang="fr-FR" altLang="fr-FR" sz="2400" dirty="0"/>
+              <a:t>, Stanford </a:t>
+            </a:r>
+            <a:r>
+              <a:rPr lang="fr-FR" altLang="fr-FR" sz="2400" dirty="0" err="1"/>
+              <a:t>University</a:t>
+            </a:r>
+            <a:r>
+              <a:rPr lang="fr-FR" altLang="fr-FR" sz="2400" dirty="0"/>
+              <a:t>)</a:t>
+            </a:r>
+          </a:p>
+        </p:txBody>
+      </p:sp>
+    </p:spTree>
+    <p:extLst>
+      <p:ext uri="{BB962C8B-B14F-4D97-AF65-F5344CB8AC3E}">
+        <p14:creationId xmlns:p14="http://schemas.microsoft.com/office/powerpoint/2010/main" val="3965659008"/>
+      </p:ext>
+    </p:extLst>
+  </p:cSld>
+  <p:clrMapOvr>
+    <a:masterClrMapping/>
+  </p:clrMapOvr>
+</p:sld>
+</file>
+
+<file path=ppt/slides/slide30.xml><?xml version="1.0" encoding="utf-8"?>
 <p:sld xmlns:a="http://schemas.openxmlformats.org/drawingml/2006/main" xmlns:r="http://schemas.openxmlformats.org/officeDocument/2006/relationships" xmlns:p="http://schemas.openxmlformats.org/presentationml/2006/main">
   <p:cSld>
     <p:spTree>
@@ -23158,8 +22330,8 @@
             <a:pPr eaLnBrk="1" hangingPunct="1"/>
             <a:fld id="{B717CBAD-AC6B-411C-85C1-25B06EA27F37}" type="slidenum">
               <a:rPr lang="fr-FR" altLang="fr-FR" smtClean="0"/>
-              <a:pPr/>
-              <a:t>31</a:t>
+              <a:pPr eaLnBrk="1" hangingPunct="1"/>
+              <a:t>30</a:t>
             </a:fld>
             <a:endParaRPr lang="en-US" altLang="fr-FR" sz="2183" dirty="0">
               <a:solidFill>
@@ -24048,7 +23220,7 @@
 </p:sld>
 </file>
 
-<file path=ppt/slides/slide32.xml><?xml version="1.0" encoding="utf-8"?>
+<file path=ppt/slides/slide31.xml><?xml version="1.0" encoding="utf-8"?>
 <p:sld xmlns:a="http://schemas.openxmlformats.org/drawingml/2006/main" xmlns:r="http://schemas.openxmlformats.org/officeDocument/2006/relationships" xmlns:p="http://schemas.openxmlformats.org/presentationml/2006/main">
   <p:cSld>
     <p:spTree>
@@ -24541,8 +23713,8 @@
             <a:pPr eaLnBrk="1" hangingPunct="1"/>
             <a:fld id="{B717CBAD-AC6B-411C-85C1-25B06EA27F37}" type="slidenum">
               <a:rPr lang="fr-FR" altLang="fr-FR" smtClean="0"/>
-              <a:pPr/>
-              <a:t>32</a:t>
+              <a:pPr eaLnBrk="1" hangingPunct="1"/>
+              <a:t>31</a:t>
             </a:fld>
             <a:endParaRPr lang="en-US" altLang="fr-FR" sz="2183">
               <a:solidFill>
@@ -24561,7 +23733,7 @@
 </p:sld>
 </file>
 
-<file path=ppt/slides/slide33.xml><?xml version="1.0" encoding="utf-8"?>
+<file path=ppt/slides/slide32.xml><?xml version="1.0" encoding="utf-8"?>
 <p:sld xmlns:a="http://schemas.openxmlformats.org/drawingml/2006/main" xmlns:r="http://schemas.openxmlformats.org/officeDocument/2006/relationships" xmlns:p="http://schemas.openxmlformats.org/presentationml/2006/main">
   <p:cSld>
     <p:spTree>
@@ -24793,8 +23965,8 @@
             <a:pPr eaLnBrk="1" hangingPunct="1"/>
             <a:fld id="{B717CBAD-AC6B-411C-85C1-25B06EA27F37}" type="slidenum">
               <a:rPr lang="fr-FR" altLang="fr-FR" smtClean="0"/>
-              <a:pPr/>
-              <a:t>33</a:t>
+              <a:pPr eaLnBrk="1" hangingPunct="1"/>
+              <a:t>32</a:t>
             </a:fld>
             <a:endParaRPr lang="fr-FR" altLang="fr-FR" sz="2183">
               <a:solidFill>
@@ -27279,7 +26451,7 @@
 </p:sld>
 </file>
 
-<file path=ppt/slides/slide34.xml><?xml version="1.0" encoding="utf-8"?>
+<file path=ppt/slides/slide33.xml><?xml version="1.0" encoding="utf-8"?>
 <p:sld xmlns:a="http://schemas.openxmlformats.org/drawingml/2006/main" xmlns:r="http://schemas.openxmlformats.org/officeDocument/2006/relationships" xmlns:p="http://schemas.openxmlformats.org/presentationml/2006/main">
   <p:cSld>
     <p:spTree>
@@ -27669,8 +26841,8 @@
             <a:pPr eaLnBrk="1" hangingPunct="1"/>
             <a:fld id="{B717CBAD-AC6B-411C-85C1-25B06EA27F37}" type="slidenum">
               <a:rPr lang="fr-FR" altLang="fr-FR" smtClean="0"/>
-              <a:pPr/>
-              <a:t>34</a:t>
+              <a:pPr eaLnBrk="1" hangingPunct="1"/>
+              <a:t>33</a:t>
             </a:fld>
             <a:endParaRPr lang="en-US" altLang="fr-FR" sz="2183">
               <a:solidFill>
@@ -27689,7 +26861,7 @@
 </p:sld>
 </file>
 
-<file path=ppt/slides/slide35.xml><?xml version="1.0" encoding="utf-8"?>
+<file path=ppt/slides/slide34.xml><?xml version="1.0" encoding="utf-8"?>
 <p:sld xmlns:a="http://schemas.openxmlformats.org/drawingml/2006/main" xmlns:r="http://schemas.openxmlformats.org/officeDocument/2006/relationships" xmlns:p="http://schemas.openxmlformats.org/presentationml/2006/main">
   <p:cSld>
     <p:spTree>
@@ -28131,8 +27303,8 @@
             <a:pPr eaLnBrk="1" hangingPunct="1"/>
             <a:fld id="{B717CBAD-AC6B-411C-85C1-25B06EA27F37}" type="slidenum">
               <a:rPr lang="fr-FR" altLang="fr-FR" smtClean="0"/>
-              <a:pPr/>
-              <a:t>35</a:t>
+              <a:pPr eaLnBrk="1" hangingPunct="1"/>
+              <a:t>34</a:t>
             </a:fld>
             <a:endParaRPr lang="en-US" altLang="fr-FR" sz="2183" dirty="0">
               <a:solidFill>
@@ -28152,175 +27324,6 @@
 </file>
 
 <file path=ppt/slides/slide4.xml><?xml version="1.0" encoding="utf-8"?>
-<p:sld xmlns:a="http://schemas.openxmlformats.org/drawingml/2006/main" xmlns:r="http://schemas.openxmlformats.org/officeDocument/2006/relationships" xmlns:p="http://schemas.openxmlformats.org/presentationml/2006/main">
-  <p:cSld>
-    <p:spTree>
-      <p:nvGrpSpPr>
-        <p:cNvPr id="1" name=""/>
-        <p:cNvGrpSpPr/>
-        <p:nvPr/>
-      </p:nvGrpSpPr>
-      <p:grpSpPr>
-        <a:xfrm>
-          <a:off x="0" y="0"/>
-          <a:ext cx="0" cy="0"/>
-          <a:chOff x="0" y="0"/>
-          <a:chExt cx="0" cy="0"/>
-        </a:xfrm>
-      </p:grpSpPr>
-      <p:sp>
-        <p:nvSpPr>
-          <p:cNvPr id="4" name="Titre 3">
-            <a:extLst>
-              <a:ext uri="{FF2B5EF4-FFF2-40B4-BE49-F238E27FC236}">
-                <a16:creationId xmlns:a16="http://schemas.microsoft.com/office/drawing/2014/main" id="{0DC66ED0-5AC6-79BD-57D1-8C19FB116F61}"/>
-              </a:ext>
-            </a:extLst>
-          </p:cNvPr>
-          <p:cNvSpPr>
-            <a:spLocks noGrp="1"/>
-          </p:cNvSpPr>
-          <p:nvPr>
-            <p:ph type="title"/>
-          </p:nvPr>
-        </p:nvSpPr>
-        <p:spPr>
-          <a:xfrm>
-            <a:off x="460466" y="1680513"/>
-            <a:ext cx="14143808" cy="4468682"/>
-          </a:xfrm>
-        </p:spPr>
-        <p:txBody>
-          <a:bodyPr/>
-          <a:lstStyle/>
-          <a:p>
-            <a:r>
-              <a:rPr lang="fr-FR" dirty="0"/>
-              <a:t>Chapitre 0</a:t>
-            </a:r>
-            <a:br>
-              <a:rPr lang="fr-FR" dirty="0"/>
-            </a:br>
-            <a:r>
-              <a:rPr lang="fr-FR" dirty="0"/>
-              <a:t>Rappels</a:t>
-            </a:r>
-          </a:p>
-        </p:txBody>
-      </p:sp>
-      <p:sp>
-        <p:nvSpPr>
-          <p:cNvPr id="3" name="ZoneTexte 2">
-            <a:extLst>
-              <a:ext uri="{FF2B5EF4-FFF2-40B4-BE49-F238E27FC236}">
-                <a16:creationId xmlns:a16="http://schemas.microsoft.com/office/drawing/2014/main" id="{4AA628C3-AFFB-C21C-AE91-B4AA85399D14}"/>
-              </a:ext>
-            </a:extLst>
-          </p:cNvPr>
-          <p:cNvSpPr txBox="1"/>
-          <p:nvPr/>
-        </p:nvSpPr>
-        <p:spPr>
-          <a:xfrm>
-            <a:off x="460466" y="0"/>
-            <a:ext cx="14143808" cy="461665"/>
-          </a:xfrm>
-          <a:prstGeom prst="rect">
-            <a:avLst/>
-          </a:prstGeom>
-          <a:noFill/>
-        </p:spPr>
-        <p:txBody>
-          <a:bodyPr wrap="square">
-            <a:spAutoFit/>
-          </a:bodyPr>
-          <a:lstStyle/>
-          <a:p>
-            <a:pPr algn="ctr"/>
-            <a:r>
-              <a:rPr lang="fr-FR" sz="2400" b="1" dirty="0">
-                <a:solidFill>
-                  <a:srgbClr val="79132F"/>
-                </a:solidFill>
-              </a:rPr>
-              <a:t>R3.07 – SQL dans un langage de programmation</a:t>
-            </a:r>
-            <a:endParaRPr lang="fr-FR" sz="2400" dirty="0"/>
-          </a:p>
-        </p:txBody>
-      </p:sp>
-      <p:sp>
-        <p:nvSpPr>
-          <p:cNvPr id="5" name="ZoneTexte 4">
-            <a:extLst>
-              <a:ext uri="{FF2B5EF4-FFF2-40B4-BE49-F238E27FC236}">
-                <a16:creationId xmlns:a16="http://schemas.microsoft.com/office/drawing/2014/main" id="{9568AF0A-BECC-768B-E5E1-1E28492C1453}"/>
-              </a:ext>
-            </a:extLst>
-          </p:cNvPr>
-          <p:cNvSpPr txBox="1"/>
-          <p:nvPr/>
-        </p:nvSpPr>
-        <p:spPr>
-          <a:xfrm>
-            <a:off x="3211830" y="7170456"/>
-            <a:ext cx="8641080" cy="395173"/>
-          </a:xfrm>
-          <a:prstGeom prst="rect">
-            <a:avLst/>
-          </a:prstGeom>
-          <a:noFill/>
-        </p:spPr>
-        <p:txBody>
-          <a:bodyPr wrap="square">
-            <a:spAutoFit/>
-          </a:bodyPr>
-          <a:lstStyle/>
-          <a:p>
-            <a:pPr eaLnBrk="1" hangingPunct="1">
-              <a:lnSpc>
-                <a:spcPct val="80000"/>
-              </a:lnSpc>
-              <a:buFont typeface="Monotype Sorts" pitchFamily="125" charset="2"/>
-              <a:buNone/>
-            </a:pPr>
-            <a:r>
-              <a:rPr lang="fr-FR" altLang="fr-FR" sz="2400" dirty="0"/>
-              <a:t>(en partie dérivé du cours du Pr. Jeffrey </a:t>
-            </a:r>
-            <a:r>
-              <a:rPr lang="fr-FR" altLang="fr-FR" sz="2400" dirty="0" err="1"/>
-              <a:t>Ullman</a:t>
-            </a:r>
-            <a:r>
-              <a:rPr lang="fr-FR" altLang="fr-FR" sz="2400" dirty="0"/>
-              <a:t>, Stanford </a:t>
-            </a:r>
-            <a:r>
-              <a:rPr lang="fr-FR" altLang="fr-FR" sz="2400" dirty="0" err="1"/>
-              <a:t>University</a:t>
-            </a:r>
-            <a:r>
-              <a:rPr lang="fr-FR" altLang="fr-FR" sz="2400" dirty="0"/>
-              <a:t>)</a:t>
-            </a:r>
-          </a:p>
-        </p:txBody>
-      </p:sp>
-    </p:spTree>
-    <p:extLst>
-      <p:ext uri="{BB962C8B-B14F-4D97-AF65-F5344CB8AC3E}">
-        <p14:creationId xmlns:p14="http://schemas.microsoft.com/office/powerpoint/2010/main" val="3965659008"/>
-      </p:ext>
-    </p:extLst>
-  </p:cSld>
-  <p:clrMapOvr>
-    <a:masterClrMapping/>
-  </p:clrMapOvr>
-</p:sld>
-</file>
-
-<file path=ppt/slides/slide5.xml><?xml version="1.0" encoding="utf-8"?>
 <p:sld xmlns:a="http://schemas.openxmlformats.org/drawingml/2006/main" xmlns:r="http://schemas.openxmlformats.org/officeDocument/2006/relationships" xmlns:p="http://schemas.openxmlformats.org/presentationml/2006/main">
   <p:cSld>
     <p:spTree>
@@ -28682,7 +27685,7 @@
             <a:fld id="{B717CBAD-AC6B-411C-85C1-25B06EA27F37}" type="slidenum">
               <a:rPr lang="fr-FR" altLang="fr-FR" smtClean="0"/>
               <a:pPr eaLnBrk="1" hangingPunct="1"/>
-              <a:t>5</a:t>
+              <a:t>4</a:t>
             </a:fld>
             <a:endParaRPr lang="fr-FR" altLang="fr-FR" sz="2183" dirty="0">
               <a:solidFill>
@@ -29123,7 +28126,7 @@
 </p:sld>
 </file>
 
-<file path=ppt/slides/slide6.xml><?xml version="1.0" encoding="utf-8"?>
+<file path=ppt/slides/slide5.xml><?xml version="1.0" encoding="utf-8"?>
 <p:sld xmlns:a="http://schemas.openxmlformats.org/drawingml/2006/main" xmlns:r="http://schemas.openxmlformats.org/officeDocument/2006/relationships" xmlns:p="http://schemas.openxmlformats.org/presentationml/2006/main">
   <p:cSld>
     <p:spTree>
@@ -29356,7 +28359,7 @@
             <a:fld id="{B717CBAD-AC6B-411C-85C1-25B06EA27F37}" type="slidenum">
               <a:rPr lang="fr-FR" altLang="fr-FR" smtClean="0"/>
               <a:pPr eaLnBrk="1" hangingPunct="1"/>
-              <a:t>6</a:t>
+              <a:t>5</a:t>
             </a:fld>
             <a:endParaRPr lang="fr-FR" altLang="fr-FR" sz="2183" dirty="0">
               <a:solidFill>
@@ -32547,7 +31550,7 @@
 </p:sld>
 </file>
 
-<file path=ppt/slides/slide7.xml><?xml version="1.0" encoding="utf-8"?>
+<file path=ppt/slides/slide6.xml><?xml version="1.0" encoding="utf-8"?>
 <p:sld xmlns:a="http://schemas.openxmlformats.org/drawingml/2006/main" xmlns:r="http://schemas.openxmlformats.org/officeDocument/2006/relationships" xmlns:p="http://schemas.openxmlformats.org/presentationml/2006/main">
   <p:cSld>
     <p:spTree>
@@ -32780,7 +31783,7 @@
             <a:fld id="{B717CBAD-AC6B-411C-85C1-25B06EA27F37}" type="slidenum">
               <a:rPr lang="fr-FR" altLang="fr-FR" smtClean="0"/>
               <a:pPr eaLnBrk="1" hangingPunct="1"/>
-              <a:t>7</a:t>
+              <a:t>6</a:t>
             </a:fld>
             <a:endParaRPr lang="fr-FR" altLang="fr-FR" sz="2183">
               <a:solidFill>
@@ -33766,7 +32769,7 @@
 </p:sld>
 </file>
 
-<file path=ppt/slides/slide8.xml><?xml version="1.0" encoding="utf-8"?>
+<file path=ppt/slides/slide7.xml><?xml version="1.0" encoding="utf-8"?>
 <p:sld xmlns:a="http://schemas.openxmlformats.org/drawingml/2006/main" xmlns:r="http://schemas.openxmlformats.org/officeDocument/2006/relationships" xmlns:p="http://schemas.openxmlformats.org/presentationml/2006/main">
   <p:cSld>
     <p:spTree>
@@ -34194,7 +33197,7 @@
             <a:fld id="{B717CBAD-AC6B-411C-85C1-25B06EA27F37}" type="slidenum">
               <a:rPr lang="fr-FR" altLang="fr-FR" smtClean="0"/>
               <a:pPr eaLnBrk="1" hangingPunct="1"/>
-              <a:t>8</a:t>
+              <a:t>7</a:t>
             </a:fld>
             <a:endParaRPr lang="fr-FR" altLang="fr-FR" sz="2183" dirty="0">
               <a:solidFill>
@@ -35496,7 +34499,7 @@
 </p:sld>
 </file>
 
-<file path=ppt/slides/slide9.xml><?xml version="1.0" encoding="utf-8"?>
+<file path=ppt/slides/slide8.xml><?xml version="1.0" encoding="utf-8"?>
 <p:sld xmlns:a="http://schemas.openxmlformats.org/drawingml/2006/main" xmlns:r="http://schemas.openxmlformats.org/officeDocument/2006/relationships" xmlns:p="http://schemas.openxmlformats.org/presentationml/2006/main">
   <p:cSld>
     <p:spTree>
@@ -35890,7 +34893,7 @@
                 </a:solidFill>
               </a:rPr>
               <a:pPr eaLnBrk="1" hangingPunct="1"/>
-              <a:t>9</a:t>
+              <a:t>8</a:t>
             </a:fld>
             <a:endParaRPr lang="fr-FR" altLang="fr-FR" sz="2183">
               <a:solidFill>
@@ -39235,6 +38238,874 @@
 </p:sld>
 </file>
 
+<file path=ppt/slides/slide9.xml><?xml version="1.0" encoding="utf-8"?>
+<p:sld xmlns:a="http://schemas.openxmlformats.org/drawingml/2006/main" xmlns:r="http://schemas.openxmlformats.org/officeDocument/2006/relationships" xmlns:p="http://schemas.openxmlformats.org/presentationml/2006/main">
+  <p:cSld>
+    <p:spTree>
+      <p:nvGrpSpPr>
+        <p:cNvPr id="1" name=""/>
+        <p:cNvGrpSpPr/>
+        <p:nvPr/>
+      </p:nvGrpSpPr>
+      <p:grpSpPr>
+        <a:xfrm>
+          <a:off x="0" y="0"/>
+          <a:ext cx="0" cy="0"/>
+          <a:chOff x="0" y="0"/>
+          <a:chExt cx="0" cy="0"/>
+        </a:xfrm>
+      </p:grpSpPr>
+      <p:sp>
+        <p:nvSpPr>
+          <p:cNvPr id="33793" name="Rectangle 2">
+            <a:extLst>
+              <a:ext uri="{FF2B5EF4-FFF2-40B4-BE49-F238E27FC236}">
+                <a16:creationId xmlns:a16="http://schemas.microsoft.com/office/drawing/2014/main" id="{B82D1C4B-121E-9A99-D53B-99376C9F0449}"/>
+              </a:ext>
+            </a:extLst>
+          </p:cNvPr>
+          <p:cNvSpPr>
+            <a:spLocks noGrp="1" noChangeArrowheads="1"/>
+          </p:cNvSpPr>
+          <p:nvPr>
+            <p:ph type="title"/>
+          </p:nvPr>
+        </p:nvSpPr>
+        <p:spPr/>
+        <p:txBody>
+          <a:bodyPr/>
+          <a:lstStyle/>
+          <a:p>
+            <a:pPr eaLnBrk="1" hangingPunct="1"/>
+            <a:r>
+              <a:rPr lang="fr-FR" altLang="fr-FR"/>
+              <a:t>Définitions</a:t>
+            </a:r>
+          </a:p>
+        </p:txBody>
+      </p:sp>
+      <p:sp>
+        <p:nvSpPr>
+          <p:cNvPr id="12292" name="Rectangle 3">
+            <a:extLst>
+              <a:ext uri="{FF2B5EF4-FFF2-40B4-BE49-F238E27FC236}">
+                <a16:creationId xmlns:a16="http://schemas.microsoft.com/office/drawing/2014/main" id="{D08827A9-0DCE-2F72-B0F7-B44C6DB0AC97}"/>
+              </a:ext>
+            </a:extLst>
+          </p:cNvPr>
+          <p:cNvSpPr>
+            <a:spLocks noGrp="1" noChangeArrowheads="1"/>
+          </p:cNvSpPr>
+          <p:nvPr>
+            <p:ph idx="1"/>
+          </p:nvPr>
+        </p:nvSpPr>
+        <p:spPr/>
+        <p:txBody>
+          <a:bodyPr/>
+          <a:lstStyle/>
+          <a:p>
+            <a:pPr>
+              <a:lnSpc>
+                <a:spcPts val="3118"/>
+              </a:lnSpc>
+            </a:pPr>
+            <a:r>
+              <a:rPr lang="fr-FR" altLang="fr-FR" dirty="0"/>
+              <a:t>Soit A un attribut. On note DOM(A), le </a:t>
+            </a:r>
+            <a:r>
+              <a:rPr lang="fr-FR" altLang="fr-FR" b="1" i="1" dirty="0">
+                <a:solidFill>
+                  <a:schemeClr val="tx2"/>
+                </a:solidFill>
+              </a:rPr>
+              <a:t>domaine de A</a:t>
+            </a:r>
+            <a:r>
+              <a:rPr lang="fr-FR" altLang="fr-FR" dirty="0"/>
+              <a:t> i.e. l</a:t>
+            </a:r>
+            <a:r>
+              <a:rPr lang="ja-JP" altLang="fr-FR" dirty="0"/>
+              <a:t>’</a:t>
+            </a:r>
+            <a:r>
+              <a:rPr lang="fr-FR" altLang="ja-JP" dirty="0"/>
+              <a:t>ensemble des valeurs que peux prendre l</a:t>
+            </a:r>
+            <a:r>
+              <a:rPr lang="ja-JP" altLang="fr-FR" dirty="0"/>
+              <a:t>’</a:t>
+            </a:r>
+            <a:r>
+              <a:rPr lang="fr-FR" altLang="ja-JP" dirty="0"/>
+              <a:t>attribut A.</a:t>
+            </a:r>
+          </a:p>
+          <a:p>
+            <a:pPr lvl="1">
+              <a:lnSpc>
+                <a:spcPts val="3118"/>
+              </a:lnSpc>
+            </a:pPr>
+            <a:r>
+              <a:rPr lang="fr-FR" altLang="fr-FR" sz="2806" dirty="0"/>
+              <a:t>Ex : DOM(</a:t>
+            </a:r>
+            <a:r>
+              <a:rPr lang="fr-FR" altLang="fr-FR" sz="2806" dirty="0" err="1"/>
+              <a:t>dep</a:t>
+            </a:r>
+            <a:r>
+              <a:rPr lang="fr-FR" altLang="fr-FR" sz="2806" dirty="0"/>
+              <a:t>) = {Sciences, Lettres, Eco, Droit, SHS …}</a:t>
+            </a:r>
+          </a:p>
+          <a:p>
+            <a:pPr lvl="1">
+              <a:lnSpc>
+                <a:spcPts val="3118"/>
+              </a:lnSpc>
+            </a:pPr>
+            <a:r>
+              <a:rPr lang="fr-FR" altLang="fr-FR" sz="2806" dirty="0"/>
+              <a:t>Ex : DOM(</a:t>
+            </a:r>
+            <a:r>
+              <a:rPr lang="fr-FR" altLang="fr-FR" sz="2806" dirty="0" err="1"/>
+              <a:t>age</a:t>
+            </a:r>
+            <a:r>
+              <a:rPr lang="fr-FR" altLang="fr-FR" sz="2806" dirty="0"/>
+              <a:t>) = ensemble des entiers naturels</a:t>
+            </a:r>
+          </a:p>
+          <a:p>
+            <a:pPr eaLnBrk="1" hangingPunct="1">
+              <a:lnSpc>
+                <a:spcPct val="90000"/>
+              </a:lnSpc>
+            </a:pPr>
+            <a:endParaRPr lang="fr-FR" altLang="fr-FR" dirty="0"/>
+          </a:p>
+          <a:p>
+            <a:pPr eaLnBrk="1" hangingPunct="1">
+              <a:lnSpc>
+                <a:spcPct val="90000"/>
+              </a:lnSpc>
+            </a:pPr>
+            <a:r>
+              <a:rPr lang="fr-FR" altLang="fr-FR" dirty="0"/>
+              <a:t>Le </a:t>
+            </a:r>
+            <a:r>
+              <a:rPr lang="fr-FR" altLang="fr-FR" b="1" i="1" dirty="0">
+                <a:solidFill>
+                  <a:schemeClr val="tx2"/>
+                </a:solidFill>
+              </a:rPr>
+              <a:t>domaine actif de A dans r</a:t>
+            </a:r>
+            <a:r>
+              <a:rPr lang="fr-FR" altLang="fr-FR" dirty="0"/>
+              <a:t> noté ADOM(</a:t>
+            </a:r>
+            <a:r>
+              <a:rPr lang="fr-FR" altLang="fr-FR" dirty="0" err="1"/>
+              <a:t>A,r</a:t>
+            </a:r>
+            <a:r>
+              <a:rPr lang="fr-FR" altLang="fr-FR" dirty="0"/>
+              <a:t>), est l</a:t>
+            </a:r>
+            <a:r>
+              <a:rPr lang="ja-JP" altLang="fr-FR" dirty="0"/>
+              <a:t>’</a:t>
+            </a:r>
+            <a:r>
+              <a:rPr lang="fr-FR" altLang="ja-JP" dirty="0"/>
+              <a:t>ensemble des valeurs constantes prises par A dans r.</a:t>
+            </a:r>
+          </a:p>
+          <a:p>
+            <a:pPr lvl="1" eaLnBrk="1" hangingPunct="1">
+              <a:lnSpc>
+                <a:spcPct val="90000"/>
+              </a:lnSpc>
+            </a:pPr>
+            <a:r>
+              <a:rPr lang="fr-FR" altLang="fr-FR" sz="2806" dirty="0"/>
+              <a:t>Ex : ADOM(</a:t>
+            </a:r>
+            <a:r>
+              <a:rPr lang="fr-FR" altLang="fr-FR" sz="2806" dirty="0" err="1"/>
+              <a:t>dep,Activites</a:t>
+            </a:r>
+            <a:r>
+              <a:rPr lang="fr-FR" altLang="fr-FR" sz="2806" dirty="0"/>
+              <a:t>) = {Sciences, Lettres, Eco}</a:t>
+            </a:r>
+          </a:p>
+          <a:p>
+            <a:pPr lvl="1" eaLnBrk="1" hangingPunct="1">
+              <a:lnSpc>
+                <a:spcPct val="90000"/>
+              </a:lnSpc>
+            </a:pPr>
+            <a:endParaRPr lang="fr-FR" altLang="fr-FR" sz="2806" dirty="0">
+              <a:solidFill>
+                <a:schemeClr val="bg2"/>
+              </a:solidFill>
+            </a:endParaRPr>
+          </a:p>
+          <a:p>
+            <a:pPr eaLnBrk="1" hangingPunct="1"/>
+            <a:r>
+              <a:rPr lang="fr-FR" altLang="fr-FR" dirty="0"/>
+              <a:t>La </a:t>
+            </a:r>
+            <a:r>
+              <a:rPr lang="fr-FR" altLang="fr-FR" b="1" i="1" dirty="0">
+                <a:solidFill>
+                  <a:schemeClr val="tx2"/>
+                </a:solidFill>
+              </a:rPr>
+              <a:t>projection</a:t>
+            </a:r>
+            <a:r>
+              <a:rPr lang="fr-FR" altLang="fr-FR" dirty="0"/>
+              <a:t> d</a:t>
+            </a:r>
+            <a:r>
+              <a:rPr lang="ja-JP" altLang="fr-FR" dirty="0"/>
+              <a:t>’</a:t>
+            </a:r>
+            <a:r>
+              <a:rPr lang="fr-FR" altLang="ja-JP" dirty="0"/>
+              <a:t>un tuple t sur l</a:t>
+            </a:r>
+            <a:r>
+              <a:rPr lang="ja-JP" altLang="fr-FR" dirty="0"/>
+              <a:t>’</a:t>
+            </a:r>
+            <a:r>
+              <a:rPr lang="fr-FR" altLang="ja-JP" dirty="0"/>
+              <a:t>attribut A (resp. {A,B}) est notée t[A] (</a:t>
+            </a:r>
+            <a:r>
+              <a:rPr lang="fr-FR" altLang="ja-JP" dirty="0" err="1"/>
+              <a:t>resp</a:t>
+            </a:r>
+            <a:r>
+              <a:rPr lang="fr-FR" altLang="ja-JP" dirty="0"/>
+              <a:t> </a:t>
+            </a:r>
+            <a:r>
+              <a:rPr lang="fr-FR" altLang="ja-JP" dirty="0">
+                <a:sym typeface="Symbol" panose="05050102010706020507" pitchFamily="18" charset="2"/>
+              </a:rPr>
+              <a:t>t[A,B]).</a:t>
+            </a:r>
+          </a:p>
+          <a:p>
+            <a:pPr lvl="1" eaLnBrk="1" hangingPunct="1"/>
+            <a:r>
+              <a:rPr lang="fr-FR" altLang="fr-FR" sz="2806" dirty="0"/>
+              <a:t>Ex : Soit t = &lt;12, </a:t>
+            </a:r>
+            <a:r>
+              <a:rPr lang="fr-FR" altLang="fr-FR" sz="2806" dirty="0" err="1"/>
+              <a:t>Ijo</a:t>
+            </a:r>
+            <a:r>
+              <a:rPr lang="fr-FR" altLang="fr-FR" sz="2806" dirty="0"/>
+              <a:t>, John, 45&gt;</a:t>
+            </a:r>
+          </a:p>
+          <a:p>
+            <a:pPr lvl="1" eaLnBrk="1" hangingPunct="1"/>
+            <a:r>
+              <a:rPr lang="fr-FR" altLang="fr-FR" sz="2806" dirty="0"/>
+              <a:t>t[nom] = &lt;</a:t>
+            </a:r>
+            <a:r>
+              <a:rPr lang="fr-FR" altLang="fr-FR" sz="2806" dirty="0" err="1"/>
+              <a:t>Ijo</a:t>
+            </a:r>
+            <a:r>
+              <a:rPr lang="fr-FR" altLang="fr-FR" sz="2806" dirty="0"/>
+              <a:t>&gt; et t[nom, </a:t>
+            </a:r>
+            <a:r>
+              <a:rPr lang="fr-FR" altLang="fr-FR" sz="2806" dirty="0" err="1"/>
+              <a:t>prenom</a:t>
+            </a:r>
+            <a:r>
+              <a:rPr lang="fr-FR" altLang="fr-FR" sz="2806" dirty="0"/>
+              <a:t>] = &lt;</a:t>
+            </a:r>
+            <a:r>
+              <a:rPr lang="fr-FR" altLang="fr-FR" sz="2806" dirty="0" err="1"/>
+              <a:t>Ijo</a:t>
+            </a:r>
+            <a:r>
+              <a:rPr lang="fr-FR" altLang="fr-FR" sz="2806" dirty="0"/>
+              <a:t>, John&gt;</a:t>
+            </a:r>
+          </a:p>
+          <a:p>
+            <a:pPr lvl="1" eaLnBrk="1" hangingPunct="1">
+              <a:lnSpc>
+                <a:spcPct val="90000"/>
+              </a:lnSpc>
+            </a:pPr>
+            <a:endParaRPr lang="fr-FR" altLang="fr-FR" sz="2806" dirty="0">
+              <a:solidFill>
+                <a:schemeClr val="bg2"/>
+              </a:solidFill>
+            </a:endParaRPr>
+          </a:p>
+        </p:txBody>
+      </p:sp>
+      <p:sp>
+        <p:nvSpPr>
+          <p:cNvPr id="33795" name="Espace réservé du numéro de diapositive 5">
+            <a:extLst>
+              <a:ext uri="{FF2B5EF4-FFF2-40B4-BE49-F238E27FC236}">
+                <a16:creationId xmlns:a16="http://schemas.microsoft.com/office/drawing/2014/main" id="{61443F3E-4526-5DA7-BC3B-05E66148B232}"/>
+              </a:ext>
+            </a:extLst>
+          </p:cNvPr>
+          <p:cNvSpPr>
+            <a:spLocks noGrp="1"/>
+          </p:cNvSpPr>
+          <p:nvPr>
+            <p:ph type="sldNum" sz="quarter" idx="11"/>
+          </p:nvPr>
+        </p:nvSpPr>
+        <p:spPr bwMode="auto">
+          <a:xfrm>
+            <a:off x="13214350" y="10387013"/>
+            <a:ext cx="1905000" cy="304800"/>
+          </a:xfrm>
+          <a:prstGeom prst="rect">
+            <a:avLst/>
+          </a:prstGeom>
+          <a:noFill/>
+          <a:ln w="9525">
+            <a:noFill/>
+            <a:miter lim="800000"/>
+            <a:headEnd/>
+            <a:tailEnd/>
+          </a:ln>
+          <a:extLst>
+            <a:ext uri="{909E8E84-426E-40DD-AFC4-6F175D3DCCD1}">
+              <a14:hiddenFill xmlns:a14="http://schemas.microsoft.com/office/drawing/2010/main">
+                <a:solidFill>
+                  <a:srgbClr val="FFFFFF"/>
+                </a:solidFill>
+              </a14:hiddenFill>
+            </a:ext>
+            <a:ext uri="{91240B29-F687-4F45-9708-019B960494DF}">
+              <a14:hiddenLine xmlns:a14="http://schemas.microsoft.com/office/drawing/2010/main" w="9525">
+                <a:solidFill>
+                  <a:srgbClr val="000000"/>
+                </a:solidFill>
+                <a:miter lim="800000"/>
+                <a:headEnd/>
+                <a:tailEnd/>
+              </a14:hiddenLine>
+            </a:ext>
+          </a:extLst>
+        </p:spPr>
+        <p:txBody>
+          <a:bodyPr vert="horz" wrap="square" lIns="91440" tIns="45720" rIns="91440" bIns="45720" numCol="1" anchor="t" anchorCtr="0" compatLnSpc="1">
+            <a:prstTxWarp prst="textNoShape">
+              <a:avLst/>
+            </a:prstTxWarp>
+          </a:bodyPr>
+          <a:lstStyle>
+            <a:defPPr>
+              <a:defRPr lang="fr-FR"/>
+            </a:defPPr>
+            <a:lvl1pPr algn="r" rtl="0" fontAlgn="base">
+              <a:spcBef>
+                <a:spcPct val="50000"/>
+              </a:spcBef>
+              <a:spcAft>
+                <a:spcPct val="0"/>
+              </a:spcAft>
+              <a:defRPr sz="1400" kern="1200">
+                <a:solidFill>
+                  <a:srgbClr val="1D0401"/>
+                </a:solidFill>
+                <a:latin typeface="Times New Roman" panose="02020603050405020304" pitchFamily="18" charset="0"/>
+                <a:ea typeface="MS PGothic" panose="020B0600070205080204" pitchFamily="34" charset="-128"/>
+                <a:cs typeface="+mn-cs"/>
+              </a:defRPr>
+            </a:lvl1pPr>
+            <a:lvl2pPr marL="457200" algn="l" rtl="0" fontAlgn="base">
+              <a:spcBef>
+                <a:spcPct val="0"/>
+              </a:spcBef>
+              <a:spcAft>
+                <a:spcPct val="0"/>
+              </a:spcAft>
+              <a:defRPr kern="1200">
+                <a:solidFill>
+                  <a:schemeClr val="tx1"/>
+                </a:solidFill>
+                <a:latin typeface="Arial" panose="020B0604020202020204" pitchFamily="34" charset="0"/>
+                <a:ea typeface="MS PGothic" panose="020B0600070205080204" pitchFamily="34" charset="-128"/>
+                <a:cs typeface="+mn-cs"/>
+              </a:defRPr>
+            </a:lvl2pPr>
+            <a:lvl3pPr marL="914400" algn="l" rtl="0" fontAlgn="base">
+              <a:spcBef>
+                <a:spcPct val="0"/>
+              </a:spcBef>
+              <a:spcAft>
+                <a:spcPct val="0"/>
+              </a:spcAft>
+              <a:defRPr kern="1200">
+                <a:solidFill>
+                  <a:schemeClr val="tx1"/>
+                </a:solidFill>
+                <a:latin typeface="Arial" panose="020B0604020202020204" pitchFamily="34" charset="0"/>
+                <a:ea typeface="MS PGothic" panose="020B0600070205080204" pitchFamily="34" charset="-128"/>
+                <a:cs typeface="+mn-cs"/>
+              </a:defRPr>
+            </a:lvl3pPr>
+            <a:lvl4pPr marL="1371600" algn="l" rtl="0" fontAlgn="base">
+              <a:spcBef>
+                <a:spcPct val="0"/>
+              </a:spcBef>
+              <a:spcAft>
+                <a:spcPct val="0"/>
+              </a:spcAft>
+              <a:defRPr kern="1200">
+                <a:solidFill>
+                  <a:schemeClr val="tx1"/>
+                </a:solidFill>
+                <a:latin typeface="Arial" panose="020B0604020202020204" pitchFamily="34" charset="0"/>
+                <a:ea typeface="MS PGothic" panose="020B0600070205080204" pitchFamily="34" charset="-128"/>
+                <a:cs typeface="+mn-cs"/>
+              </a:defRPr>
+            </a:lvl4pPr>
+            <a:lvl5pPr marL="1828800" algn="l" rtl="0" fontAlgn="base">
+              <a:spcBef>
+                <a:spcPct val="0"/>
+              </a:spcBef>
+              <a:spcAft>
+                <a:spcPct val="0"/>
+              </a:spcAft>
+              <a:defRPr kern="1200">
+                <a:solidFill>
+                  <a:schemeClr val="tx1"/>
+                </a:solidFill>
+                <a:latin typeface="Arial" panose="020B0604020202020204" pitchFamily="34" charset="0"/>
+                <a:ea typeface="MS PGothic" panose="020B0600070205080204" pitchFamily="34" charset="-128"/>
+                <a:cs typeface="+mn-cs"/>
+              </a:defRPr>
+            </a:lvl5pPr>
+            <a:lvl6pPr marL="2286000" algn="l" defTabSz="914400" rtl="0" eaLnBrk="1" latinLnBrk="0" hangingPunct="1">
+              <a:defRPr kern="1200">
+                <a:solidFill>
+                  <a:schemeClr val="tx1"/>
+                </a:solidFill>
+                <a:latin typeface="Arial" panose="020B0604020202020204" pitchFamily="34" charset="0"/>
+                <a:ea typeface="MS PGothic" panose="020B0600070205080204" pitchFamily="34" charset="-128"/>
+                <a:cs typeface="+mn-cs"/>
+              </a:defRPr>
+            </a:lvl6pPr>
+            <a:lvl7pPr marL="2743200" algn="l" defTabSz="914400" rtl="0" eaLnBrk="1" latinLnBrk="0" hangingPunct="1">
+              <a:defRPr kern="1200">
+                <a:solidFill>
+                  <a:schemeClr val="tx1"/>
+                </a:solidFill>
+                <a:latin typeface="Arial" panose="020B0604020202020204" pitchFamily="34" charset="0"/>
+                <a:ea typeface="MS PGothic" panose="020B0600070205080204" pitchFamily="34" charset="-128"/>
+                <a:cs typeface="+mn-cs"/>
+              </a:defRPr>
+            </a:lvl7pPr>
+            <a:lvl8pPr marL="3200400" algn="l" defTabSz="914400" rtl="0" eaLnBrk="1" latinLnBrk="0" hangingPunct="1">
+              <a:defRPr kern="1200">
+                <a:solidFill>
+                  <a:schemeClr val="tx1"/>
+                </a:solidFill>
+                <a:latin typeface="Arial" panose="020B0604020202020204" pitchFamily="34" charset="0"/>
+                <a:ea typeface="MS PGothic" panose="020B0600070205080204" pitchFamily="34" charset="-128"/>
+                <a:cs typeface="+mn-cs"/>
+              </a:defRPr>
+            </a:lvl8pPr>
+            <a:lvl9pPr marL="3657600" algn="l" defTabSz="914400" rtl="0" eaLnBrk="1" latinLnBrk="0" hangingPunct="1">
+              <a:defRPr kern="1200">
+                <a:solidFill>
+                  <a:schemeClr val="tx1"/>
+                </a:solidFill>
+                <a:latin typeface="Arial" panose="020B0604020202020204" pitchFamily="34" charset="0"/>
+                <a:ea typeface="MS PGothic" panose="020B0600070205080204" pitchFamily="34" charset="-128"/>
+                <a:cs typeface="+mn-cs"/>
+              </a:defRPr>
+            </a:lvl9pPr>
+          </a:lstStyle>
+          <a:p>
+            <a:pPr eaLnBrk="1" hangingPunct="1"/>
+            <a:fld id="{B717CBAD-AC6B-411C-85C1-25B06EA27F37}" type="slidenum">
+              <a:rPr lang="fr-FR" altLang="fr-FR" smtClean="0"/>
+              <a:pPr eaLnBrk="1" hangingPunct="1"/>
+              <a:t>9</a:t>
+            </a:fld>
+            <a:endParaRPr lang="fr-FR" altLang="fr-FR" sz="2183" dirty="0">
+              <a:solidFill>
+                <a:srgbClr val="1D0401"/>
+              </a:solidFill>
+              <a:latin typeface="Times New Roman" panose="02020603050405020304" pitchFamily="18" charset="0"/>
+            </a:endParaRPr>
+          </a:p>
+        </p:txBody>
+      </p:sp>
+    </p:spTree>
+  </p:cSld>
+  <p:clrMapOvr>
+    <a:masterClrMapping/>
+  </p:clrMapOvr>
+  <p:timing>
+    <p:tnLst>
+      <p:par>
+        <p:cTn id="1" dur="indefinite" restart="never" nodeType="tmRoot">
+          <p:childTnLst>
+            <p:seq concurrent="1" nextAc="seek">
+              <p:cTn id="2" dur="indefinite" nodeType="mainSeq">
+                <p:childTnLst>
+                  <p:par>
+                    <p:cTn id="3" fill="hold" nodeType="clickPar">
+                      <p:stCondLst>
+                        <p:cond delay="indefinite"/>
+                      </p:stCondLst>
+                      <p:childTnLst>
+                        <p:par>
+                          <p:cTn id="4" fill="hold" nodeType="withGroup">
+                            <p:stCondLst>
+                              <p:cond delay="0"/>
+                            </p:stCondLst>
+                            <p:childTnLst>
+                              <p:par>
+                                <p:cTn id="5" presetID="1" presetClass="entr" presetSubtype="0" fill="hold" nodeType="clickEffect">
+                                  <p:stCondLst>
+                                    <p:cond delay="0"/>
+                                  </p:stCondLst>
+                                  <p:childTnLst>
+                                    <p:set>
+                                      <p:cBhvr>
+                                        <p:cTn id="6" dur="1" fill="hold">
+                                          <p:stCondLst>
+                                            <p:cond delay="0"/>
+                                          </p:stCondLst>
+                                        </p:cTn>
+                                        <p:tgtEl>
+                                          <p:spTgt spid="12292">
+                                            <p:txEl>
+                                              <p:pRg st="0" end="0"/>
+                                            </p:txEl>
+                                          </p:spTgt>
+                                        </p:tgtEl>
+                                        <p:attrNameLst>
+                                          <p:attrName>style.visibility</p:attrName>
+                                        </p:attrNameLst>
+                                      </p:cBhvr>
+                                      <p:to>
+                                        <p:strVal val="visible"/>
+                                      </p:to>
+                                    </p:set>
+                                  </p:childTnLst>
+                                </p:cTn>
+                              </p:par>
+                              <p:par>
+                                <p:cTn id="7" presetID="1" presetClass="entr" presetSubtype="0" fill="hold" nodeType="withEffect">
+                                  <p:stCondLst>
+                                    <p:cond delay="0"/>
+                                  </p:stCondLst>
+                                  <p:childTnLst>
+                                    <p:set>
+                                      <p:cBhvr>
+                                        <p:cTn id="8" dur="1" fill="hold">
+                                          <p:stCondLst>
+                                            <p:cond delay="0"/>
+                                          </p:stCondLst>
+                                        </p:cTn>
+                                        <p:tgtEl>
+                                          <p:spTgt spid="12292">
+                                            <p:txEl>
+                                              <p:pRg st="1" end="1"/>
+                                            </p:txEl>
+                                          </p:spTgt>
+                                        </p:tgtEl>
+                                        <p:attrNameLst>
+                                          <p:attrName>style.visibility</p:attrName>
+                                        </p:attrNameLst>
+                                      </p:cBhvr>
+                                      <p:to>
+                                        <p:strVal val="visible"/>
+                                      </p:to>
+                                    </p:set>
+                                  </p:childTnLst>
+                                </p:cTn>
+                              </p:par>
+                              <p:par>
+                                <p:cTn id="9" presetID="1" presetClass="entr" presetSubtype="0" fill="hold" nodeType="withEffect">
+                                  <p:stCondLst>
+                                    <p:cond delay="0"/>
+                                  </p:stCondLst>
+                                  <p:childTnLst>
+                                    <p:set>
+                                      <p:cBhvr>
+                                        <p:cTn id="10" dur="1" fill="hold">
+                                          <p:stCondLst>
+                                            <p:cond delay="0"/>
+                                          </p:stCondLst>
+                                        </p:cTn>
+                                        <p:tgtEl>
+                                          <p:spTgt spid="12292">
+                                            <p:txEl>
+                                              <p:pRg st="2" end="2"/>
+                                            </p:txEl>
+                                          </p:spTgt>
+                                        </p:tgtEl>
+                                        <p:attrNameLst>
+                                          <p:attrName>style.visibility</p:attrName>
+                                        </p:attrNameLst>
+                                      </p:cBhvr>
+                                      <p:to>
+                                        <p:strVal val="visible"/>
+                                      </p:to>
+                                    </p:set>
+                                  </p:childTnLst>
+                                </p:cTn>
+                              </p:par>
+                            </p:childTnLst>
+                          </p:cTn>
+                        </p:par>
+                      </p:childTnLst>
+                    </p:cTn>
+                  </p:par>
+                  <p:par>
+                    <p:cTn id="11" fill="hold" nodeType="clickPar">
+                      <p:stCondLst>
+                        <p:cond delay="indefinite"/>
+                      </p:stCondLst>
+                      <p:childTnLst>
+                        <p:par>
+                          <p:cTn id="12" fill="hold" nodeType="withGroup">
+                            <p:stCondLst>
+                              <p:cond delay="0"/>
+                            </p:stCondLst>
+                            <p:childTnLst>
+                              <p:par>
+                                <p:cTn id="13" presetID="1" presetClass="entr" presetSubtype="0" fill="hold" nodeType="clickEffect">
+                                  <p:stCondLst>
+                                    <p:cond delay="0"/>
+                                  </p:stCondLst>
+                                  <p:childTnLst>
+                                    <p:set>
+                                      <p:cBhvr>
+                                        <p:cTn id="14" dur="1" fill="hold">
+                                          <p:stCondLst>
+                                            <p:cond delay="0"/>
+                                          </p:stCondLst>
+                                        </p:cTn>
+                                        <p:tgtEl>
+                                          <p:spTgt spid="12292">
+                                            <p:txEl>
+                                              <p:pRg st="4" end="4"/>
+                                            </p:txEl>
+                                          </p:spTgt>
+                                        </p:tgtEl>
+                                        <p:attrNameLst>
+                                          <p:attrName>style.visibility</p:attrName>
+                                        </p:attrNameLst>
+                                      </p:cBhvr>
+                                      <p:to>
+                                        <p:strVal val="visible"/>
+                                      </p:to>
+                                    </p:set>
+                                  </p:childTnLst>
+                                </p:cTn>
+                              </p:par>
+                              <p:par>
+                                <p:cTn id="15" presetID="1" presetClass="entr" presetSubtype="0" fill="hold" nodeType="withEffect">
+                                  <p:stCondLst>
+                                    <p:cond delay="0"/>
+                                  </p:stCondLst>
+                                  <p:childTnLst>
+                                    <p:set>
+                                      <p:cBhvr>
+                                        <p:cTn id="16" dur="1" fill="hold">
+                                          <p:stCondLst>
+                                            <p:cond delay="0"/>
+                                          </p:stCondLst>
+                                        </p:cTn>
+                                        <p:tgtEl>
+                                          <p:spTgt spid="12292">
+                                            <p:txEl>
+                                              <p:pRg st="5" end="5"/>
+                                            </p:txEl>
+                                          </p:spTgt>
+                                        </p:tgtEl>
+                                        <p:attrNameLst>
+                                          <p:attrName>style.visibility</p:attrName>
+                                        </p:attrNameLst>
+                                      </p:cBhvr>
+                                      <p:to>
+                                        <p:strVal val="visible"/>
+                                      </p:to>
+                                    </p:set>
+                                  </p:childTnLst>
+                                </p:cTn>
+                              </p:par>
+                            </p:childTnLst>
+                          </p:cTn>
+                        </p:par>
+                      </p:childTnLst>
+                    </p:cTn>
+                  </p:par>
+                  <p:par>
+                    <p:cTn id="17" fill="hold" nodeType="clickPar">
+                      <p:stCondLst>
+                        <p:cond delay="indefinite"/>
+                      </p:stCondLst>
+                      <p:childTnLst>
+                        <p:par>
+                          <p:cTn id="18" fill="hold" nodeType="withGroup">
+                            <p:stCondLst>
+                              <p:cond delay="0"/>
+                            </p:stCondLst>
+                            <p:childTnLst>
+                              <p:par>
+                                <p:cTn id="19" presetID="1" presetClass="entr" presetSubtype="0" fill="hold" nodeType="clickEffect">
+                                  <p:stCondLst>
+                                    <p:cond delay="0"/>
+                                  </p:stCondLst>
+                                  <p:childTnLst>
+                                    <p:set>
+                                      <p:cBhvr>
+                                        <p:cTn id="20" dur="1" fill="hold">
+                                          <p:stCondLst>
+                                            <p:cond delay="0"/>
+                                          </p:stCondLst>
+                                        </p:cTn>
+                                        <p:tgtEl>
+                                          <p:spTgt spid="12292">
+                                            <p:txEl>
+                                              <p:pRg st="7" end="7"/>
+                                            </p:txEl>
+                                          </p:spTgt>
+                                        </p:tgtEl>
+                                        <p:attrNameLst>
+                                          <p:attrName>style.visibility</p:attrName>
+                                        </p:attrNameLst>
+                                      </p:cBhvr>
+                                      <p:to>
+                                        <p:strVal val="visible"/>
+                                      </p:to>
+                                    </p:set>
+                                  </p:childTnLst>
+                                </p:cTn>
+                              </p:par>
+                              <p:par>
+                                <p:cTn id="21" presetID="1" presetClass="entr" presetSubtype="0" fill="hold" nodeType="withEffect">
+                                  <p:stCondLst>
+                                    <p:cond delay="0"/>
+                                  </p:stCondLst>
+                                  <p:childTnLst>
+                                    <p:set>
+                                      <p:cBhvr>
+                                        <p:cTn id="22" dur="1" fill="hold">
+                                          <p:stCondLst>
+                                            <p:cond delay="0"/>
+                                          </p:stCondLst>
+                                        </p:cTn>
+                                        <p:tgtEl>
+                                          <p:spTgt spid="12292">
+                                            <p:txEl>
+                                              <p:pRg st="8" end="8"/>
+                                            </p:txEl>
+                                          </p:spTgt>
+                                        </p:tgtEl>
+                                        <p:attrNameLst>
+                                          <p:attrName>style.visibility</p:attrName>
+                                        </p:attrNameLst>
+                                      </p:cBhvr>
+                                      <p:to>
+                                        <p:strVal val="visible"/>
+                                      </p:to>
+                                    </p:set>
+                                  </p:childTnLst>
+                                </p:cTn>
+                              </p:par>
+                              <p:par>
+                                <p:cTn id="23" presetID="1" presetClass="entr" presetSubtype="0" fill="hold" nodeType="withEffect">
+                                  <p:stCondLst>
+                                    <p:cond delay="0"/>
+                                  </p:stCondLst>
+                                  <p:childTnLst>
+                                    <p:set>
+                                      <p:cBhvr>
+                                        <p:cTn id="24" dur="1" fill="hold">
+                                          <p:stCondLst>
+                                            <p:cond delay="0"/>
+                                          </p:stCondLst>
+                                        </p:cTn>
+                                        <p:tgtEl>
+                                          <p:spTgt spid="12292">
+                                            <p:txEl>
+                                              <p:pRg st="9" end="9"/>
+                                            </p:txEl>
+                                          </p:spTgt>
+                                        </p:tgtEl>
+                                        <p:attrNameLst>
+                                          <p:attrName>style.visibility</p:attrName>
+                                        </p:attrNameLst>
+                                      </p:cBhvr>
+                                      <p:to>
+                                        <p:strVal val="visible"/>
+                                      </p:to>
+                                    </p:set>
+                                  </p:childTnLst>
+                                </p:cTn>
+                              </p:par>
+                            </p:childTnLst>
+                          </p:cTn>
+                        </p:par>
+                      </p:childTnLst>
+                    </p:cTn>
+                  </p:par>
+                </p:childTnLst>
+              </p:cTn>
+              <p:prevCondLst>
+                <p:cond evt="onPrev" delay="0">
+                  <p:tgtEl>
+                    <p:sldTgt/>
+                  </p:tgtEl>
+                </p:cond>
+              </p:prevCondLst>
+              <p:nextCondLst>
+                <p:cond evt="onNext" delay="0">
+                  <p:tgtEl>
+                    <p:sldTgt/>
+                  </p:tgtEl>
+                </p:cond>
+              </p:nextCondLst>
+            </p:seq>
+          </p:childTnLst>
+        </p:cTn>
+      </p:par>
+    </p:tnLst>
+  </p:timing>
+</p:sld>
+</file>
+
 <file path=ppt/theme/theme1.xml><?xml version="1.0" encoding="utf-8"?>
 <a:theme xmlns:a="http://schemas.openxmlformats.org/drawingml/2006/main" name="Thème Office">
   <a:themeElements>
